--- a/notes/complexity.pptx
+++ b/notes/complexity.pptx
@@ -231,7 +231,7 @@
           <a:p>
             <a:fld id="{8A1B613A-EFF1-404F-BEE8-EFAE84A4E5E2}" type="datetimeFigureOut">
               <a:rPr lang="en-US" smtClean="0"/>
-              <a:t>2/10/22</a:t>
+              <a:t>1/25/2023</a:t>
             </a:fld>
             <a:endParaRPr lang="en-US"/>
           </a:p>
@@ -396,7 +396,7 @@
           <a:p>
             <a:fld id="{690847EA-AC25-3D4E-89E1-FD3F6A9702B6}" type="datetimeFigureOut">
               <a:rPr lang="en-US" smtClean="0"/>
-              <a:t>2/10/22</a:t>
+              <a:t>1/25/2023</a:t>
             </a:fld>
             <a:endParaRPr lang="en-US"/>
           </a:p>
@@ -1072,7 +1072,7 @@
           <a:p>
             <a:fld id="{BE5295ED-3BAF-1140-8495-3D368771D6B1}" type="datetimeFigureOut">
               <a:rPr lang="en-US" smtClean="0"/>
-              <a:t>2/10/22</a:t>
+              <a:t>1/25/2023</a:t>
             </a:fld>
             <a:endParaRPr lang="en-US"/>
           </a:p>
@@ -1270,7 +1270,7 @@
           <a:p>
             <a:fld id="{BE5295ED-3BAF-1140-8495-3D368771D6B1}" type="datetimeFigureOut">
               <a:rPr lang="en-US" smtClean="0"/>
-              <a:t>2/10/22</a:t>
+              <a:t>1/25/2023</a:t>
             </a:fld>
             <a:endParaRPr lang="en-US"/>
           </a:p>
@@ -1478,7 +1478,7 @@
           <a:p>
             <a:fld id="{BE5295ED-3BAF-1140-8495-3D368771D6B1}" type="datetimeFigureOut">
               <a:rPr lang="en-US" smtClean="0"/>
-              <a:t>2/10/22</a:t>
+              <a:t>1/25/2023</a:t>
             </a:fld>
             <a:endParaRPr lang="en-US"/>
           </a:p>
@@ -1681,7 +1681,7 @@
           <a:p>
             <a:fld id="{BE5295ED-3BAF-1140-8495-3D368771D6B1}" type="datetimeFigureOut">
               <a:rPr lang="en-US" smtClean="0"/>
-              <a:t>2/10/22</a:t>
+              <a:t>1/25/2023</a:t>
             </a:fld>
             <a:endParaRPr lang="en-US"/>
           </a:p>
@@ -1956,7 +1956,7 @@
           <a:p>
             <a:fld id="{BE5295ED-3BAF-1140-8495-3D368771D6B1}" type="datetimeFigureOut">
               <a:rPr lang="en-US" smtClean="0"/>
-              <a:t>2/10/22</a:t>
+              <a:t>1/25/2023</a:t>
             </a:fld>
             <a:endParaRPr lang="en-US"/>
           </a:p>
@@ -2221,7 +2221,7 @@
           <a:p>
             <a:fld id="{BE5295ED-3BAF-1140-8495-3D368771D6B1}" type="datetimeFigureOut">
               <a:rPr lang="en-US" smtClean="0"/>
-              <a:t>2/10/22</a:t>
+              <a:t>1/25/2023</a:t>
             </a:fld>
             <a:endParaRPr lang="en-US"/>
           </a:p>
@@ -2633,7 +2633,7 @@
           <a:p>
             <a:fld id="{BE5295ED-3BAF-1140-8495-3D368771D6B1}" type="datetimeFigureOut">
               <a:rPr lang="en-US" smtClean="0"/>
-              <a:t>2/10/22</a:t>
+              <a:t>1/25/2023</a:t>
             </a:fld>
             <a:endParaRPr lang="en-US"/>
           </a:p>
@@ -2774,7 +2774,7 @@
           <a:p>
             <a:fld id="{BE5295ED-3BAF-1140-8495-3D368771D6B1}" type="datetimeFigureOut">
               <a:rPr lang="en-US" smtClean="0"/>
-              <a:t>2/10/22</a:t>
+              <a:t>1/25/2023</a:t>
             </a:fld>
             <a:endParaRPr lang="en-US"/>
           </a:p>
@@ -2887,7 +2887,7 @@
           <a:p>
             <a:fld id="{BE5295ED-3BAF-1140-8495-3D368771D6B1}" type="datetimeFigureOut">
               <a:rPr lang="en-US" smtClean="0"/>
-              <a:t>2/10/22</a:t>
+              <a:t>1/25/2023</a:t>
             </a:fld>
             <a:endParaRPr lang="en-US"/>
           </a:p>
@@ -3198,7 +3198,7 @@
           <a:p>
             <a:fld id="{BE5295ED-3BAF-1140-8495-3D368771D6B1}" type="datetimeFigureOut">
               <a:rPr lang="en-US" smtClean="0"/>
-              <a:t>2/10/22</a:t>
+              <a:t>1/25/2023</a:t>
             </a:fld>
             <a:endParaRPr lang="en-US"/>
           </a:p>
@@ -3489,7 +3489,7 @@
           <a:p>
             <a:fld id="{BE5295ED-3BAF-1140-8495-3D368771D6B1}" type="datetimeFigureOut">
               <a:rPr lang="en-US" smtClean="0"/>
-              <a:t>2/10/22</a:t>
+              <a:t>1/25/2023</a:t>
             </a:fld>
             <a:endParaRPr lang="en-US"/>
           </a:p>
@@ -3734,7 +3734,7 @@
           <a:p>
             <a:fld id="{BE5295ED-3BAF-1140-8495-3D368771D6B1}" type="datetimeFigureOut">
               <a:rPr lang="en-US" smtClean="0"/>
-              <a:t>2/10/22</a:t>
+              <a:t>1/25/2023</a:t>
             </a:fld>
             <a:endParaRPr lang="en-US"/>
           </a:p>
@@ -4293,9 +4293,10 @@
           <a:lstStyle/>
           <a:p>
             <a:r>
-              <a:rPr lang="en-US" dirty="0"/>
-              <a:t>Terence Parr</a:t>
-            </a:r>
+              <a:rPr lang="en-US"/>
+              <a:t>Mustafa Hajij</a:t>
+            </a:r>
+            <a:endParaRPr lang="en-US" dirty="0"/>
           </a:p>
           <a:p>
             <a:r>
@@ -8019,8 +8020,8 @@
           </a:p>
         </p:txBody>
       </p:sp>
-      <mc:AlternateContent xmlns:mc="http://schemas.openxmlformats.org/markup-compatibility/2006">
-        <mc:Choice xmlns:a14="http://schemas.microsoft.com/office/drawing/2010/main" Requires="a14">
+      <mc:AlternateContent xmlns:mc="http://schemas.openxmlformats.org/markup-compatibility/2006" xmlns:a14="http://schemas.microsoft.com/office/drawing/2010/main">
+        <mc:Choice Requires="a14">
           <p:sp>
             <p:nvSpPr>
               <p:cNvPr id="8" name="Content Placeholder 2"/>
@@ -8434,7 +8435,7 @@
             </p:txBody>
           </p:sp>
         </mc:Choice>
-        <mc:Fallback>
+        <mc:Fallback xmlns="">
           <p:sp>
             <p:nvSpPr>
               <p:cNvPr id="8" name="Content Placeholder 2"/>
@@ -8752,8 +8753,8 @@
           </a:p>
         </p:txBody>
       </p:sp>
-      <mc:AlternateContent xmlns:mc="http://schemas.openxmlformats.org/markup-compatibility/2006">
-        <mc:Choice xmlns:a14="http://schemas.microsoft.com/office/drawing/2010/main" Requires="a14">
+      <mc:AlternateContent xmlns:mc="http://schemas.openxmlformats.org/markup-compatibility/2006" xmlns:a14="http://schemas.microsoft.com/office/drawing/2010/main">
+        <mc:Choice Requires="a14">
           <p:sp>
             <p:nvSpPr>
               <p:cNvPr id="3" name="Content Placeholder 2"/>
@@ -9409,7 +9410,7 @@
             </p:txBody>
           </p:sp>
         </mc:Choice>
-        <mc:Fallback>
+        <mc:Fallback xmlns="">
           <p:sp>
             <p:nvSpPr>
               <p:cNvPr id="3" name="Content Placeholder 2"/>

--- a/notes/complexity.pptx
+++ b/notes/complexity.pptx
@@ -5,10 +5,10 @@
     <p:sldMasterId id="2147483648" r:id="rId1"/>
   </p:sldMasterIdLst>
   <p:notesMasterIdLst>
-    <p:notesMasterId r:id="rId31"/>
+    <p:notesMasterId r:id="rId35"/>
   </p:notesMasterIdLst>
   <p:handoutMasterIdLst>
-    <p:handoutMasterId r:id="rId32"/>
+    <p:handoutMasterId r:id="rId36"/>
   </p:handoutMasterIdLst>
   <p:sldIdLst>
     <p:sldId id="256" r:id="rId2"/>
@@ -22,24 +22,28 @@
     <p:sldId id="275" r:id="rId10"/>
     <p:sldId id="273" r:id="rId11"/>
     <p:sldId id="271" r:id="rId12"/>
-    <p:sldId id="281" r:id="rId13"/>
-    <p:sldId id="296" r:id="rId14"/>
-    <p:sldId id="297" r:id="rId15"/>
-    <p:sldId id="276" r:id="rId16"/>
-    <p:sldId id="277" r:id="rId17"/>
-    <p:sldId id="278" r:id="rId18"/>
-    <p:sldId id="279" r:id="rId19"/>
-    <p:sldId id="280" r:id="rId20"/>
-    <p:sldId id="287" r:id="rId21"/>
-    <p:sldId id="286" r:id="rId22"/>
-    <p:sldId id="284" r:id="rId23"/>
-    <p:sldId id="285" r:id="rId24"/>
-    <p:sldId id="288" r:id="rId25"/>
-    <p:sldId id="289" r:id="rId26"/>
-    <p:sldId id="291" r:id="rId27"/>
-    <p:sldId id="294" r:id="rId28"/>
-    <p:sldId id="292" r:id="rId29"/>
-    <p:sldId id="295" r:id="rId30"/>
+    <p:sldId id="298" r:id="rId13"/>
+    <p:sldId id="299" r:id="rId14"/>
+    <p:sldId id="301" r:id="rId15"/>
+    <p:sldId id="302" r:id="rId16"/>
+    <p:sldId id="281" r:id="rId17"/>
+    <p:sldId id="296" r:id="rId18"/>
+    <p:sldId id="297" r:id="rId19"/>
+    <p:sldId id="276" r:id="rId20"/>
+    <p:sldId id="277" r:id="rId21"/>
+    <p:sldId id="278" r:id="rId22"/>
+    <p:sldId id="279" r:id="rId23"/>
+    <p:sldId id="280" r:id="rId24"/>
+    <p:sldId id="287" r:id="rId25"/>
+    <p:sldId id="286" r:id="rId26"/>
+    <p:sldId id="284" r:id="rId27"/>
+    <p:sldId id="285" r:id="rId28"/>
+    <p:sldId id="288" r:id="rId29"/>
+    <p:sldId id="289" r:id="rId30"/>
+    <p:sldId id="291" r:id="rId31"/>
+    <p:sldId id="294" r:id="rId32"/>
+    <p:sldId id="292" r:id="rId33"/>
+    <p:sldId id="295" r:id="rId34"/>
   </p:sldIdLst>
   <p:sldSz cx="12192000" cy="6858000"/>
   <p:notesSz cx="9144000" cy="6858000"/>
@@ -149,6 +153,14 @@
 </p:presentation>
 </file>
 
+<file path=ppt/revisionInfo.xml><?xml version="1.0" encoding="utf-8"?>
+<p1510:revInfo xmlns:a="http://schemas.openxmlformats.org/drawingml/2006/main" xmlns:r="http://schemas.openxmlformats.org/officeDocument/2006/relationships" xmlns:p1510="http://schemas.microsoft.com/office/powerpoint/2015/10/main">
+  <p1510:revLst>
+    <p1510:client id="{7312C850-141E-4F92-9E34-FE2809D94ED2}" v="277" dt="2023-02-02T03:06:28.443"/>
+  </p1510:revLst>
+</p1510:revInfo>
+</file>
+
 <file path=ppt/handoutMasters/handoutMaster1.xml><?xml version="1.0" encoding="utf-8"?>
 <p:handoutMaster xmlns:a="http://schemas.openxmlformats.org/drawingml/2006/main" xmlns:r="http://schemas.openxmlformats.org/officeDocument/2006/relationships" xmlns:p="http://schemas.openxmlformats.org/presentationml/2006/main">
   <p:cSld>
@@ -231,7 +243,7 @@
           <a:p>
             <a:fld id="{8A1B613A-EFF1-404F-BEE8-EFAE84A4E5E2}" type="datetimeFigureOut">
               <a:rPr lang="en-US" smtClean="0"/>
-              <a:t>1/25/2023</a:t>
+              <a:t>2/1/2023</a:t>
             </a:fld>
             <a:endParaRPr lang="en-US"/>
           </a:p>
@@ -396,7 +408,7 @@
           <a:p>
             <a:fld id="{690847EA-AC25-3D4E-89E1-FD3F6A9702B6}" type="datetimeFigureOut">
               <a:rPr lang="en-US" smtClean="0"/>
-              <a:t>1/25/2023</a:t>
+              <a:t>2/1/2023</a:t>
             </a:fld>
             <a:endParaRPr lang="en-US"/>
           </a:p>
@@ -812,7 +824,7 @@
           <a:p>
             <a:fld id="{0DEC4948-0B79-D842-B740-510D19298355}" type="slidenum">
               <a:rPr lang="en-US" smtClean="0"/>
-              <a:t>21</a:t>
+              <a:t>24</a:t>
             </a:fld>
             <a:endParaRPr lang="en-US"/>
           </a:p>
@@ -896,7 +908,7 @@
           <a:p>
             <a:fld id="{0DEC4948-0B79-D842-B740-510D19298355}" type="slidenum">
               <a:rPr lang="en-US" smtClean="0"/>
-              <a:t>24</a:t>
+              <a:t>28</a:t>
             </a:fld>
             <a:endParaRPr lang="en-US"/>
           </a:p>
@@ -1072,7 +1084,7 @@
           <a:p>
             <a:fld id="{BE5295ED-3BAF-1140-8495-3D368771D6B1}" type="datetimeFigureOut">
               <a:rPr lang="en-US" smtClean="0"/>
-              <a:t>1/25/2023</a:t>
+              <a:t>2/1/2023</a:t>
             </a:fld>
             <a:endParaRPr lang="en-US"/>
           </a:p>
@@ -1270,7 +1282,7 @@
           <a:p>
             <a:fld id="{BE5295ED-3BAF-1140-8495-3D368771D6B1}" type="datetimeFigureOut">
               <a:rPr lang="en-US" smtClean="0"/>
-              <a:t>1/25/2023</a:t>
+              <a:t>2/1/2023</a:t>
             </a:fld>
             <a:endParaRPr lang="en-US"/>
           </a:p>
@@ -1478,7 +1490,7 @@
           <a:p>
             <a:fld id="{BE5295ED-3BAF-1140-8495-3D368771D6B1}" type="datetimeFigureOut">
               <a:rPr lang="en-US" smtClean="0"/>
-              <a:t>1/25/2023</a:t>
+              <a:t>2/1/2023</a:t>
             </a:fld>
             <a:endParaRPr lang="en-US"/>
           </a:p>
@@ -1681,7 +1693,7 @@
           <a:p>
             <a:fld id="{BE5295ED-3BAF-1140-8495-3D368771D6B1}" type="datetimeFigureOut">
               <a:rPr lang="en-US" smtClean="0"/>
-              <a:t>1/25/2023</a:t>
+              <a:t>2/1/2023</a:t>
             </a:fld>
             <a:endParaRPr lang="en-US"/>
           </a:p>
@@ -1956,7 +1968,7 @@
           <a:p>
             <a:fld id="{BE5295ED-3BAF-1140-8495-3D368771D6B1}" type="datetimeFigureOut">
               <a:rPr lang="en-US" smtClean="0"/>
-              <a:t>1/25/2023</a:t>
+              <a:t>2/1/2023</a:t>
             </a:fld>
             <a:endParaRPr lang="en-US"/>
           </a:p>
@@ -2221,7 +2233,7 @@
           <a:p>
             <a:fld id="{BE5295ED-3BAF-1140-8495-3D368771D6B1}" type="datetimeFigureOut">
               <a:rPr lang="en-US" smtClean="0"/>
-              <a:t>1/25/2023</a:t>
+              <a:t>2/1/2023</a:t>
             </a:fld>
             <a:endParaRPr lang="en-US"/>
           </a:p>
@@ -2633,7 +2645,7 @@
           <a:p>
             <a:fld id="{BE5295ED-3BAF-1140-8495-3D368771D6B1}" type="datetimeFigureOut">
               <a:rPr lang="en-US" smtClean="0"/>
-              <a:t>1/25/2023</a:t>
+              <a:t>2/1/2023</a:t>
             </a:fld>
             <a:endParaRPr lang="en-US"/>
           </a:p>
@@ -2774,7 +2786,7 @@
           <a:p>
             <a:fld id="{BE5295ED-3BAF-1140-8495-3D368771D6B1}" type="datetimeFigureOut">
               <a:rPr lang="en-US" smtClean="0"/>
-              <a:t>1/25/2023</a:t>
+              <a:t>2/1/2023</a:t>
             </a:fld>
             <a:endParaRPr lang="en-US"/>
           </a:p>
@@ -2887,7 +2899,7 @@
           <a:p>
             <a:fld id="{BE5295ED-3BAF-1140-8495-3D368771D6B1}" type="datetimeFigureOut">
               <a:rPr lang="en-US" smtClean="0"/>
-              <a:t>1/25/2023</a:t>
+              <a:t>2/1/2023</a:t>
             </a:fld>
             <a:endParaRPr lang="en-US"/>
           </a:p>
@@ -3198,7 +3210,7 @@
           <a:p>
             <a:fld id="{BE5295ED-3BAF-1140-8495-3D368771D6B1}" type="datetimeFigureOut">
               <a:rPr lang="en-US" smtClean="0"/>
-              <a:t>1/25/2023</a:t>
+              <a:t>2/1/2023</a:t>
             </a:fld>
             <a:endParaRPr lang="en-US"/>
           </a:p>
@@ -3489,7 +3501,7 @@
           <a:p>
             <a:fld id="{BE5295ED-3BAF-1140-8495-3D368771D6B1}" type="datetimeFigureOut">
               <a:rPr lang="en-US" smtClean="0"/>
-              <a:t>1/25/2023</a:t>
+              <a:t>2/1/2023</a:t>
             </a:fld>
             <a:endParaRPr lang="en-US"/>
           </a:p>
@@ -3734,7 +3746,7 @@
           <a:p>
             <a:fld id="{BE5295ED-3BAF-1140-8495-3D368771D6B1}" type="datetimeFigureOut">
               <a:rPr lang="en-US" smtClean="0"/>
-              <a:t>1/25/2023</a:t>
+              <a:t>2/1/2023</a:t>
             </a:fld>
             <a:endParaRPr lang="en-US"/>
           </a:p>
@@ -5132,6 +5144,410 @@
       </p:grpSpPr>
       <p:sp>
         <p:nvSpPr>
+          <p:cNvPr id="10" name="Title 1">
+            <a:extLst>
+              <a:ext uri="{FF2B5EF4-FFF2-40B4-BE49-F238E27FC236}">
+                <a16:creationId xmlns:a16="http://schemas.microsoft.com/office/drawing/2014/main" id="{591BB20A-4118-645C-BDA2-7142FEEC2029}"/>
+              </a:ext>
+            </a:extLst>
+          </p:cNvPr>
+          <p:cNvSpPr>
+            <a:spLocks noGrp="1"/>
+          </p:cNvSpPr>
+          <p:nvPr>
+            <p:ph type="title"/>
+          </p:nvPr>
+        </p:nvSpPr>
+        <p:spPr>
+          <a:xfrm>
+            <a:off x="263577" y="-59596"/>
+            <a:ext cx="10515600" cy="1325563"/>
+          </a:xfrm>
+        </p:spPr>
+        <p:txBody>
+          <a:bodyPr/>
+          <a:lstStyle/>
+          <a:p>
+            <a:r>
+              <a:rPr lang="en-US" dirty="0"/>
+              <a:t>Example</a:t>
+            </a:r>
+          </a:p>
+        </p:txBody>
+      </p:sp>
+      <p:pic>
+        <p:nvPicPr>
+          <p:cNvPr id="2" name="Picture 2" descr="Text, letter&#10;&#10;Description automatically generated">
+            <a:extLst>
+              <a:ext uri="{FF2B5EF4-FFF2-40B4-BE49-F238E27FC236}">
+                <a16:creationId xmlns:a16="http://schemas.microsoft.com/office/drawing/2014/main" id="{14F2D350-3026-7FF5-F443-459047E518D0}"/>
+              </a:ext>
+            </a:extLst>
+          </p:cNvPr>
+          <p:cNvPicPr>
+            <a:picLocks noChangeAspect="1"/>
+          </p:cNvPicPr>
+          <p:nvPr/>
+        </p:nvPicPr>
+        <p:blipFill>
+          <a:blip r:embed="rId2"/>
+          <a:stretch>
+            <a:fillRect/>
+          </a:stretch>
+        </p:blipFill>
+        <p:spPr>
+          <a:xfrm>
+            <a:off x="1551482" y="1164541"/>
+            <a:ext cx="4192249" cy="5128523"/>
+          </a:xfrm>
+          <a:prstGeom prst="rect">
+            <a:avLst/>
+          </a:prstGeom>
+        </p:spPr>
+      </p:pic>
+    </p:spTree>
+    <p:extLst>
+      <p:ext uri="{BB962C8B-B14F-4D97-AF65-F5344CB8AC3E}">
+        <p14:creationId xmlns:p14="http://schemas.microsoft.com/office/powerpoint/2010/main" val="4239310127"/>
+      </p:ext>
+    </p:extLst>
+  </p:cSld>
+  <p:clrMapOvr>
+    <a:masterClrMapping/>
+  </p:clrMapOvr>
+</p:sld>
+</file>
+
+<file path=ppt/slides/slide13.xml><?xml version="1.0" encoding="utf-8"?>
+<p:sld xmlns:a="http://schemas.openxmlformats.org/drawingml/2006/main" xmlns:r="http://schemas.openxmlformats.org/officeDocument/2006/relationships" xmlns:p="http://schemas.openxmlformats.org/presentationml/2006/main">
+  <p:cSld>
+    <p:bg>
+      <p:bgPr>
+        <a:solidFill>
+          <a:schemeClr val="bg1"/>
+        </a:solidFill>
+        <a:effectLst/>
+      </p:bgPr>
+    </p:bg>
+    <p:spTree>
+      <p:nvGrpSpPr>
+        <p:cNvPr id="1" name=""/>
+        <p:cNvGrpSpPr/>
+        <p:nvPr/>
+      </p:nvGrpSpPr>
+      <p:grpSpPr>
+        <a:xfrm>
+          <a:off x="0" y="0"/>
+          <a:ext cx="0" cy="0"/>
+          <a:chOff x="0" y="0"/>
+          <a:chExt cx="0" cy="0"/>
+        </a:xfrm>
+      </p:grpSpPr>
+      <p:pic>
+        <p:nvPicPr>
+          <p:cNvPr id="2" name="Picture 2" descr="Text, letter&#10;&#10;Description automatically generated">
+            <a:extLst>
+              <a:ext uri="{FF2B5EF4-FFF2-40B4-BE49-F238E27FC236}">
+                <a16:creationId xmlns:a16="http://schemas.microsoft.com/office/drawing/2014/main" id="{714A82AB-12FF-8AD5-7B0B-0E74EB154F5E}"/>
+              </a:ext>
+            </a:extLst>
+          </p:cNvPr>
+          <p:cNvPicPr>
+            <a:picLocks noChangeAspect="1"/>
+          </p:cNvPicPr>
+          <p:nvPr/>
+        </p:nvPicPr>
+        <p:blipFill>
+          <a:blip r:embed="rId2"/>
+          <a:stretch>
+            <a:fillRect/>
+          </a:stretch>
+        </p:blipFill>
+        <p:spPr>
+          <a:xfrm>
+            <a:off x="1701384" y="679118"/>
+            <a:ext cx="4079823" cy="5349861"/>
+          </a:xfrm>
+          <a:prstGeom prst="rect">
+            <a:avLst/>
+          </a:prstGeom>
+        </p:spPr>
+      </p:pic>
+      <p:sp>
+        <p:nvSpPr>
+          <p:cNvPr id="4" name="Title 1">
+            <a:extLst>
+              <a:ext uri="{FF2B5EF4-FFF2-40B4-BE49-F238E27FC236}">
+                <a16:creationId xmlns:a16="http://schemas.microsoft.com/office/drawing/2014/main" id="{17FBF27D-BD23-435A-2E9D-89A42D90B43D}"/>
+              </a:ext>
+            </a:extLst>
+          </p:cNvPr>
+          <p:cNvSpPr>
+            <a:spLocks noGrp="1"/>
+          </p:cNvSpPr>
+          <p:nvPr>
+            <p:ph type="title"/>
+          </p:nvPr>
+        </p:nvSpPr>
+        <p:spPr>
+          <a:xfrm>
+            <a:off x="263577" y="-59596"/>
+            <a:ext cx="10515600" cy="1325563"/>
+          </a:xfrm>
+        </p:spPr>
+        <p:txBody>
+          <a:bodyPr/>
+          <a:lstStyle/>
+          <a:p>
+            <a:r>
+              <a:rPr lang="en-US" dirty="0"/>
+              <a:t>Example</a:t>
+            </a:r>
+          </a:p>
+        </p:txBody>
+      </p:sp>
+    </p:spTree>
+    <p:extLst>
+      <p:ext uri="{BB962C8B-B14F-4D97-AF65-F5344CB8AC3E}">
+        <p14:creationId xmlns:p14="http://schemas.microsoft.com/office/powerpoint/2010/main" val="849943494"/>
+      </p:ext>
+    </p:extLst>
+  </p:cSld>
+  <p:clrMapOvr>
+    <a:masterClrMapping/>
+  </p:clrMapOvr>
+</p:sld>
+</file>
+
+<file path=ppt/slides/slide14.xml><?xml version="1.0" encoding="utf-8"?>
+<p:sld xmlns:a="http://schemas.openxmlformats.org/drawingml/2006/main" xmlns:r="http://schemas.openxmlformats.org/officeDocument/2006/relationships" xmlns:p="http://schemas.openxmlformats.org/presentationml/2006/main">
+  <p:cSld>
+    <p:bg>
+      <p:bgPr>
+        <a:solidFill>
+          <a:schemeClr val="bg1"/>
+        </a:solidFill>
+        <a:effectLst/>
+      </p:bgPr>
+    </p:bg>
+    <p:spTree>
+      <p:nvGrpSpPr>
+        <p:cNvPr id="1" name=""/>
+        <p:cNvGrpSpPr/>
+        <p:nvPr/>
+      </p:nvGrpSpPr>
+      <p:grpSpPr>
+        <a:xfrm>
+          <a:off x="0" y="0"/>
+          <a:ext cx="0" cy="0"/>
+          <a:chOff x="0" y="0"/>
+          <a:chExt cx="0" cy="0"/>
+        </a:xfrm>
+      </p:grpSpPr>
+      <p:sp>
+        <p:nvSpPr>
+          <p:cNvPr id="4" name="Title 1">
+            <a:extLst>
+              <a:ext uri="{FF2B5EF4-FFF2-40B4-BE49-F238E27FC236}">
+                <a16:creationId xmlns:a16="http://schemas.microsoft.com/office/drawing/2014/main" id="{17FBF27D-BD23-435A-2E9D-89A42D90B43D}"/>
+              </a:ext>
+            </a:extLst>
+          </p:cNvPr>
+          <p:cNvSpPr>
+            <a:spLocks noGrp="1"/>
+          </p:cNvSpPr>
+          <p:nvPr>
+            <p:ph type="title"/>
+          </p:nvPr>
+        </p:nvSpPr>
+        <p:spPr>
+          <a:xfrm>
+            <a:off x="263577" y="-59596"/>
+            <a:ext cx="10515600" cy="1325563"/>
+          </a:xfrm>
+        </p:spPr>
+        <p:txBody>
+          <a:bodyPr/>
+          <a:lstStyle/>
+          <a:p>
+            <a:r>
+              <a:rPr lang="en-US" dirty="0"/>
+              <a:t>Example</a:t>
+            </a:r>
+          </a:p>
+        </p:txBody>
+      </p:sp>
+      <p:pic>
+        <p:nvPicPr>
+          <p:cNvPr id="5" name="Picture 5" descr="Text, letter&#10;&#10;Description automatically generated">
+            <a:extLst>
+              <a:ext uri="{FF2B5EF4-FFF2-40B4-BE49-F238E27FC236}">
+                <a16:creationId xmlns:a16="http://schemas.microsoft.com/office/drawing/2014/main" id="{BCA1DDAA-2EDF-EC31-806C-764094F58BB2}"/>
+              </a:ext>
+            </a:extLst>
+          </p:cNvPr>
+          <p:cNvPicPr>
+            <a:picLocks noChangeAspect="1"/>
+          </p:cNvPicPr>
+          <p:nvPr/>
+        </p:nvPicPr>
+        <p:blipFill>
+          <a:blip r:embed="rId2"/>
+          <a:stretch>
+            <a:fillRect/>
+          </a:stretch>
+        </p:blipFill>
+        <p:spPr>
+          <a:xfrm>
+            <a:off x="1414072" y="1001693"/>
+            <a:ext cx="5591331" cy="5566647"/>
+          </a:xfrm>
+          <a:prstGeom prst="rect">
+            <a:avLst/>
+          </a:prstGeom>
+        </p:spPr>
+      </p:pic>
+    </p:spTree>
+    <p:extLst>
+      <p:ext uri="{BB962C8B-B14F-4D97-AF65-F5344CB8AC3E}">
+        <p14:creationId xmlns:p14="http://schemas.microsoft.com/office/powerpoint/2010/main" val="358926616"/>
+      </p:ext>
+    </p:extLst>
+  </p:cSld>
+  <p:clrMapOvr>
+    <a:masterClrMapping/>
+  </p:clrMapOvr>
+</p:sld>
+</file>
+
+<file path=ppt/slides/slide15.xml><?xml version="1.0" encoding="utf-8"?>
+<p:sld xmlns:a="http://schemas.openxmlformats.org/drawingml/2006/main" xmlns:r="http://schemas.openxmlformats.org/officeDocument/2006/relationships" xmlns:p="http://schemas.openxmlformats.org/presentationml/2006/main">
+  <p:cSld>
+    <p:bg>
+      <p:bgPr>
+        <a:solidFill>
+          <a:schemeClr val="bg1"/>
+        </a:solidFill>
+        <a:effectLst/>
+      </p:bgPr>
+    </p:bg>
+    <p:spTree>
+      <p:nvGrpSpPr>
+        <p:cNvPr id="1" name=""/>
+        <p:cNvGrpSpPr/>
+        <p:nvPr/>
+      </p:nvGrpSpPr>
+      <p:grpSpPr>
+        <a:xfrm>
+          <a:off x="0" y="0"/>
+          <a:ext cx="0" cy="0"/>
+          <a:chOff x="0" y="0"/>
+          <a:chExt cx="0" cy="0"/>
+        </a:xfrm>
+      </p:grpSpPr>
+      <p:sp>
+        <p:nvSpPr>
+          <p:cNvPr id="4" name="Title 1">
+            <a:extLst>
+              <a:ext uri="{FF2B5EF4-FFF2-40B4-BE49-F238E27FC236}">
+                <a16:creationId xmlns:a16="http://schemas.microsoft.com/office/drawing/2014/main" id="{17FBF27D-BD23-435A-2E9D-89A42D90B43D}"/>
+              </a:ext>
+            </a:extLst>
+          </p:cNvPr>
+          <p:cNvSpPr>
+            <a:spLocks noGrp="1"/>
+          </p:cNvSpPr>
+          <p:nvPr>
+            <p:ph type="title"/>
+          </p:nvPr>
+        </p:nvSpPr>
+        <p:spPr>
+          <a:xfrm>
+            <a:off x="263577" y="-59596"/>
+            <a:ext cx="10515600" cy="1325563"/>
+          </a:xfrm>
+        </p:spPr>
+        <p:txBody>
+          <a:bodyPr/>
+          <a:lstStyle/>
+          <a:p>
+            <a:r>
+              <a:rPr lang="en-US" dirty="0"/>
+              <a:t>Example</a:t>
+            </a:r>
+          </a:p>
+        </p:txBody>
+      </p:sp>
+      <p:pic>
+        <p:nvPicPr>
+          <p:cNvPr id="3" name="Picture 4" descr="Text, letter&#10;&#10;Description automatically generated">
+            <a:extLst>
+              <a:ext uri="{FF2B5EF4-FFF2-40B4-BE49-F238E27FC236}">
+                <a16:creationId xmlns:a16="http://schemas.microsoft.com/office/drawing/2014/main" id="{58930BBC-D8B3-8CB8-AE5C-412E753BAA39}"/>
+              </a:ext>
+            </a:extLst>
+          </p:cNvPr>
+          <p:cNvPicPr>
+            <a:picLocks noChangeAspect="1"/>
+          </p:cNvPicPr>
+          <p:nvPr/>
+        </p:nvPicPr>
+        <p:blipFill>
+          <a:blip r:embed="rId2"/>
+          <a:stretch>
+            <a:fillRect/>
+          </a:stretch>
+        </p:blipFill>
+        <p:spPr>
+          <a:xfrm>
+            <a:off x="1643859" y="1101316"/>
+            <a:ext cx="5266544" cy="4995576"/>
+          </a:xfrm>
+          <a:prstGeom prst="rect">
+            <a:avLst/>
+          </a:prstGeom>
+        </p:spPr>
+      </p:pic>
+    </p:spTree>
+    <p:extLst>
+      <p:ext uri="{BB962C8B-B14F-4D97-AF65-F5344CB8AC3E}">
+        <p14:creationId xmlns:p14="http://schemas.microsoft.com/office/powerpoint/2010/main" val="919441672"/>
+      </p:ext>
+    </p:extLst>
+  </p:cSld>
+  <p:clrMapOvr>
+    <a:masterClrMapping/>
+  </p:clrMapOvr>
+</p:sld>
+</file>
+
+<file path=ppt/slides/slide16.xml><?xml version="1.0" encoding="utf-8"?>
+<p:sld xmlns:a="http://schemas.openxmlformats.org/drawingml/2006/main" xmlns:r="http://schemas.openxmlformats.org/officeDocument/2006/relationships" xmlns:p="http://schemas.openxmlformats.org/presentationml/2006/main">
+  <p:cSld>
+    <p:bg>
+      <p:bgPr>
+        <a:solidFill>
+          <a:schemeClr val="bg1"/>
+        </a:solidFill>
+        <a:effectLst/>
+      </p:bgPr>
+    </p:bg>
+    <p:spTree>
+      <p:nvGrpSpPr>
+        <p:cNvPr id="1" name=""/>
+        <p:cNvGrpSpPr/>
+        <p:nvPr/>
+      </p:nvGrpSpPr>
+      <p:grpSpPr>
+        <a:xfrm>
+          <a:off x="0" y="0"/>
+          <a:ext cx="0" cy="0"/>
+          <a:chOff x="0" y="0"/>
+          <a:chExt cx="0" cy="0"/>
+        </a:xfrm>
+      </p:grpSpPr>
+      <p:sp>
+        <p:nvSpPr>
           <p:cNvPr id="2" name="Title 1"/>
           <p:cNvSpPr>
             <a:spLocks noGrp="1"/>
@@ -5239,7 +5655,7 @@
 </p:sld>
 </file>
 
-<file path=ppt/slides/slide13.xml><?xml version="1.0" encoding="utf-8"?>
+<file path=ppt/slides/slide17.xml><?xml version="1.0" encoding="utf-8"?>
 <p:sld xmlns:a="http://schemas.openxmlformats.org/drawingml/2006/main" xmlns:r="http://schemas.openxmlformats.org/officeDocument/2006/relationships" xmlns:p="http://schemas.openxmlformats.org/presentationml/2006/main">
   <p:cSld>
     <p:spTree>
@@ -5518,7 +5934,7 @@
 </p:sld>
 </file>
 
-<file path=ppt/slides/slide14.xml><?xml version="1.0" encoding="utf-8"?>
+<file path=ppt/slides/slide18.xml><?xml version="1.0" encoding="utf-8"?>
 <p:sld xmlns:a="http://schemas.openxmlformats.org/drawingml/2006/main" xmlns:r="http://schemas.openxmlformats.org/officeDocument/2006/relationships" xmlns:p="http://schemas.openxmlformats.org/presentationml/2006/main">
   <p:cSld>
     <p:spTree>
@@ -6707,7 +7123,7 @@
 </p:sld>
 </file>
 
-<file path=ppt/slides/slide15.xml><?xml version="1.0" encoding="utf-8"?>
+<file path=ppt/slides/slide19.xml><?xml version="1.0" encoding="utf-8"?>
 <p:sld xmlns:a="http://schemas.openxmlformats.org/drawingml/2006/main" xmlns:r="http://schemas.openxmlformats.org/officeDocument/2006/relationships" xmlns:p="http://schemas.openxmlformats.org/presentationml/2006/main">
   <p:cSld>
     <p:bg>
@@ -7054,7 +7470,7 @@
 </p:sld>
 </file>
 
-<file path=ppt/slides/slide16.xml><?xml version="1.0" encoding="utf-8"?>
+<file path=ppt/slides/slide2.xml><?xml version="1.0" encoding="utf-8"?>
 <p:sld xmlns:a="http://schemas.openxmlformats.org/drawingml/2006/main" xmlns:r="http://schemas.openxmlformats.org/officeDocument/2006/relationships" xmlns:p="http://schemas.openxmlformats.org/presentationml/2006/main">
   <p:cSld>
     <p:bg>
@@ -7095,6 +7511,236 @@
           <a:lstStyle/>
           <a:p>
             <a:r>
+              <a:rPr lang="en-US" dirty="0"/>
+              <a:t>Reasons to study algorithm complexity</a:t>
+            </a:r>
+          </a:p>
+        </p:txBody>
+      </p:sp>
+      <mc:AlternateContent xmlns:mc="http://schemas.openxmlformats.org/markup-compatibility/2006" xmlns:a14="http://schemas.microsoft.com/office/drawing/2010/main">
+        <mc:Choice Requires="a14">
+          <p:sp>
+            <p:nvSpPr>
+              <p:cNvPr id="3" name="Content Placeholder 2"/>
+              <p:cNvSpPr>
+                <a:spLocks noGrp="1"/>
+              </p:cNvSpPr>
+              <p:nvPr>
+                <p:ph idx="1"/>
+              </p:nvPr>
+            </p:nvSpPr>
+            <p:spPr>
+              <a:xfrm>
+                <a:off x="640644" y="1816217"/>
+                <a:ext cx="10393304" cy="4125561"/>
+              </a:xfrm>
+            </p:spPr>
+            <p:txBody>
+              <a:bodyPr/>
+              <a:lstStyle/>
+              <a:p>
+                <a:r>
+                  <a:rPr lang="en-US" dirty="0"/>
+                  <a:t>Get a feel for algorithm time and space performance to operate on a specific data structure or structures</a:t>
+                </a:r>
+              </a:p>
+              <a:p>
+                <a:r>
+                  <a:rPr lang="en-US" dirty="0"/>
+                  <a:t>Be able to meaningfully compare multiple algorithms’ performance across a wide variety of input sizes</a:t>
+                </a:r>
+              </a:p>
+              <a:p>
+                <a:r>
+                  <a:rPr lang="en-US" dirty="0"/>
+                  <a:t>Analyze best, typical, and worst-case behavior</a:t>
+                </a:r>
+              </a:p>
+              <a:p>
+                <a:r>
+                  <a:rPr lang="en-US" dirty="0"/>
+                  <a:t>Reducing algorithm complexity is by far the most effective strategy for improving program performance;</a:t>
+                </a:r>
+                <a:br>
+                  <a:rPr lang="en-US" dirty="0"/>
+                </a:br>
+                <a:r>
+                  <a:rPr lang="en-US" dirty="0"/>
+                  <a:t>Aside: For my PhD, I discovered an approximation to a useful algorithm that dropped complexity from O(</a:t>
+                </a:r>
+                <a14:m>
+                  <m:oMath xmlns:m="http://schemas.openxmlformats.org/officeDocument/2006/math">
+                    <m:sSup>
+                      <m:sSupPr>
+                        <m:ctrlPr>
+                          <a:rPr lang="en-US" i="1">
+                            <a:latin typeface="Cambria Math" panose="02040503050406030204" pitchFamily="18" charset="0"/>
+                          </a:rPr>
+                        </m:ctrlPr>
+                      </m:sSupPr>
+                      <m:e>
+                        <m:r>
+                          <a:rPr lang="en-US" i="1">
+                            <a:latin typeface="Cambria Math" panose="02040503050406030204" pitchFamily="18" charset="0"/>
+                          </a:rPr>
+                          <m:t>𝑛</m:t>
+                        </m:r>
+                      </m:e>
+                      <m:sup>
+                        <m:r>
+                          <a:rPr lang="en-US" i="1">
+                            <a:latin typeface="Cambria Math" panose="02040503050406030204" pitchFamily="18" charset="0"/>
+                          </a:rPr>
+                          <m:t>𝑘</m:t>
+                        </m:r>
+                      </m:sup>
+                    </m:sSup>
+                  </m:oMath>
+                </a14:m>
+                <a:r>
+                  <a:rPr lang="en-US" dirty="0"/>
+                  <a:t>) to O(</a:t>
+                </a:r>
+                <a14:m>
+                  <m:oMath xmlns:m="http://schemas.openxmlformats.org/officeDocument/2006/math">
+                    <m:r>
+                      <a:rPr lang="en-US" b="0" i="1" smtClean="0">
+                        <a:latin typeface="Cambria Math" panose="02040503050406030204" pitchFamily="18" charset="0"/>
+                      </a:rPr>
+                      <m:t>𝑛𝑘</m:t>
+                    </m:r>
+                  </m:oMath>
+                </a14:m>
+                <a:r>
+                  <a:rPr lang="en-US" dirty="0"/>
+                  <a:t>)</a:t>
+                </a:r>
+              </a:p>
+            </p:txBody>
+          </p:sp>
+        </mc:Choice>
+        <mc:Fallback xmlns="">
+          <p:sp>
+            <p:nvSpPr>
+              <p:cNvPr id="3" name="Content Placeholder 2"/>
+              <p:cNvSpPr>
+                <a:spLocks noGrp="1" noRot="1" noChangeAspect="1" noMove="1" noResize="1" noEditPoints="1" noAdjustHandles="1" noChangeArrowheads="1" noChangeShapeType="1" noTextEdit="1"/>
+              </p:cNvSpPr>
+              <p:nvPr>
+                <p:ph idx="1"/>
+              </p:nvPr>
+            </p:nvSpPr>
+            <p:spPr>
+              <a:xfrm>
+                <a:off x="640644" y="1816217"/>
+                <a:ext cx="10393304" cy="4125561"/>
+              </a:xfrm>
+              <a:blipFill>
+                <a:blip r:embed="rId2"/>
+                <a:stretch>
+                  <a:fillRect l="-1056" t="-2659" r="-1818"/>
+                </a:stretch>
+              </a:blipFill>
+            </p:spPr>
+            <p:txBody>
+              <a:bodyPr/>
+              <a:lstStyle/>
+              <a:p>
+                <a:r>
+                  <a:rPr lang="en-US">
+                    <a:noFill/>
+                  </a:rPr>
+                  <a:t> </a:t>
+                </a:r>
+              </a:p>
+            </p:txBody>
+          </p:sp>
+        </mc:Fallback>
+      </mc:AlternateContent>
+      <p:pic>
+        <p:nvPicPr>
+          <p:cNvPr id="4" name="Picture 4" descr="A picture containing background pattern&#10;&#10;Description automatically generated">
+            <a:extLst>
+              <a:ext uri="{FF2B5EF4-FFF2-40B4-BE49-F238E27FC236}">
+                <a16:creationId xmlns:a16="http://schemas.microsoft.com/office/drawing/2014/main" id="{251D8D5E-798E-90A6-A927-45A92D0FF68E}"/>
+              </a:ext>
+            </a:extLst>
+          </p:cNvPr>
+          <p:cNvPicPr>
+            <a:picLocks noChangeAspect="1"/>
+          </p:cNvPicPr>
+          <p:nvPr/>
+        </p:nvPicPr>
+        <p:blipFill>
+          <a:blip r:embed="rId3"/>
+          <a:stretch>
+            <a:fillRect/>
+          </a:stretch>
+        </p:blipFill>
+        <p:spPr>
+          <a:xfrm>
+            <a:off x="634919" y="4075409"/>
+            <a:ext cx="10268886" cy="1986666"/>
+          </a:xfrm>
+          <a:prstGeom prst="rect">
+            <a:avLst/>
+          </a:prstGeom>
+        </p:spPr>
+      </p:pic>
+    </p:spTree>
+    <p:extLst>
+      <p:ext uri="{BB962C8B-B14F-4D97-AF65-F5344CB8AC3E}">
+        <p14:creationId xmlns:p14="http://schemas.microsoft.com/office/powerpoint/2010/main" val="154305458"/>
+      </p:ext>
+    </p:extLst>
+  </p:cSld>
+  <p:clrMapOvr>
+    <a:masterClrMapping/>
+  </p:clrMapOvr>
+</p:sld>
+</file>
+
+<file path=ppt/slides/slide20.xml><?xml version="1.0" encoding="utf-8"?>
+<p:sld xmlns:a="http://schemas.openxmlformats.org/drawingml/2006/main" xmlns:r="http://schemas.openxmlformats.org/officeDocument/2006/relationships" xmlns:p="http://schemas.openxmlformats.org/presentationml/2006/main">
+  <p:cSld>
+    <p:bg>
+      <p:bgPr>
+        <a:solidFill>
+          <a:schemeClr val="bg1"/>
+        </a:solidFill>
+        <a:effectLst/>
+      </p:bgPr>
+    </p:bg>
+    <p:spTree>
+      <p:nvGrpSpPr>
+        <p:cNvPr id="1" name=""/>
+        <p:cNvGrpSpPr/>
+        <p:nvPr/>
+      </p:nvGrpSpPr>
+      <p:grpSpPr>
+        <a:xfrm>
+          <a:off x="0" y="0"/>
+          <a:ext cx="0" cy="0"/>
+          <a:chOff x="0" y="0"/>
+          <a:chExt cx="0" cy="0"/>
+        </a:xfrm>
+      </p:grpSpPr>
+      <p:sp>
+        <p:nvSpPr>
+          <p:cNvPr id="2" name="Title 1"/>
+          <p:cNvSpPr>
+            <a:spLocks noGrp="1"/>
+          </p:cNvSpPr>
+          <p:nvPr>
+            <p:ph type="title"/>
+          </p:nvPr>
+        </p:nvSpPr>
+        <p:spPr/>
+        <p:txBody>
+          <a:bodyPr/>
+          <a:lstStyle/>
+          <a:p>
+            <a:r>
               <a:rPr lang="en-US" i="1" dirty="0"/>
               <a:t>Linear search</a:t>
             </a:r>
@@ -7118,7 +7764,9 @@
           </a:xfrm>
         </p:spPr>
         <p:txBody>
-          <a:bodyPr/>
+          <a:bodyPr vert="horz" lIns="91440" tIns="45720" rIns="91440" bIns="45720" rtlCol="0" anchor="t">
+            <a:normAutofit/>
+          </a:bodyPr>
           <a:lstStyle/>
           <a:p>
             <a:r>
@@ -7175,15 +7823,7 @@
           <a:p>
             <a:r>
               <a:rPr lang="en-US" dirty="0"/>
-              <a:t>What is complexity of max or </a:t>
-            </a:r>
-            <a:r>
-              <a:rPr lang="en-US" dirty="0" err="1"/>
-              <a:t>argmax</a:t>
-            </a:r>
-            <a:r>
-              <a:rPr lang="en-US" dirty="0"/>
-              <a:t> for array of size </a:t>
+              <a:t>What is complexity of max or argmax for array of size </a:t>
             </a:r>
             <a:r>
               <a:rPr lang="en-US" i="1" dirty="0"/>
@@ -7207,12 +7847,9 @@
               <a:rPr lang="en-US" dirty="0"/>
               <a:t>?</a:t>
             </a:r>
-          </a:p>
-          <a:p>
-            <a:r>
-              <a:rPr lang="en-US" dirty="0"/>
-              <a:t>Zero out matrix with n total elements? (careful)</a:t>
-            </a:r>
+            <a:endParaRPr lang="en-US" dirty="0">
+              <a:cs typeface="Arial"/>
+            </a:endParaRPr>
           </a:p>
         </p:txBody>
       </p:sp>
@@ -7392,7 +8029,7 @@
 </p:sld>
 </file>
 
-<file path=ppt/slides/slide17.xml><?xml version="1.0" encoding="utf-8"?>
+<file path=ppt/slides/slide21.xml><?xml version="1.0" encoding="utf-8"?>
 <p:sld xmlns:a="http://schemas.openxmlformats.org/drawingml/2006/main" xmlns:r="http://schemas.openxmlformats.org/officeDocument/2006/relationships" xmlns:p="http://schemas.openxmlformats.org/presentationml/2006/main">
   <p:cSld>
     <p:bg>
@@ -7968,7 +8605,7 @@
 </p:sld>
 </file>
 
-<file path=ppt/slides/slide18.xml><?xml version="1.0" encoding="utf-8"?>
+<file path=ppt/slides/slide22.xml><?xml version="1.0" encoding="utf-8"?>
 <p:sld xmlns:a="http://schemas.openxmlformats.org/drawingml/2006/main" xmlns:r="http://schemas.openxmlformats.org/officeDocument/2006/relationships" xmlns:p="http://schemas.openxmlformats.org/presentationml/2006/main">
   <p:cSld>
     <p:bg>
@@ -8681,7 +9318,7 @@
 </p:sld>
 </file>
 
-<file path=ppt/slides/slide19.xml><?xml version="1.0" encoding="utf-8"?>
+<file path=ppt/slides/slide23.xml><?xml version="1.0" encoding="utf-8"?>
 <p:sld xmlns:a="http://schemas.openxmlformats.org/drawingml/2006/main" xmlns:r="http://schemas.openxmlformats.org/officeDocument/2006/relationships" xmlns:p="http://schemas.openxmlformats.org/presentationml/2006/main">
   <p:cSld>
     <p:bg>
@@ -9657,198 +10294,7 @@
 </p:sld>
 </file>
 
-<file path=ppt/slides/slide2.xml><?xml version="1.0" encoding="utf-8"?>
-<p:sld xmlns:a="http://schemas.openxmlformats.org/drawingml/2006/main" xmlns:r="http://schemas.openxmlformats.org/officeDocument/2006/relationships" xmlns:p="http://schemas.openxmlformats.org/presentationml/2006/main">
-  <p:cSld>
-    <p:bg>
-      <p:bgPr>
-        <a:solidFill>
-          <a:schemeClr val="bg1"/>
-        </a:solidFill>
-        <a:effectLst/>
-      </p:bgPr>
-    </p:bg>
-    <p:spTree>
-      <p:nvGrpSpPr>
-        <p:cNvPr id="1" name=""/>
-        <p:cNvGrpSpPr/>
-        <p:nvPr/>
-      </p:nvGrpSpPr>
-      <p:grpSpPr>
-        <a:xfrm>
-          <a:off x="0" y="0"/>
-          <a:ext cx="0" cy="0"/>
-          <a:chOff x="0" y="0"/>
-          <a:chExt cx="0" cy="0"/>
-        </a:xfrm>
-      </p:grpSpPr>
-      <p:sp>
-        <p:nvSpPr>
-          <p:cNvPr id="2" name="Title 1"/>
-          <p:cNvSpPr>
-            <a:spLocks noGrp="1"/>
-          </p:cNvSpPr>
-          <p:nvPr>
-            <p:ph type="title"/>
-          </p:nvPr>
-        </p:nvSpPr>
-        <p:spPr/>
-        <p:txBody>
-          <a:bodyPr/>
-          <a:lstStyle/>
-          <a:p>
-            <a:r>
-              <a:rPr lang="en-US" dirty="0"/>
-              <a:t>Reasons to study algorithm complexity</a:t>
-            </a:r>
-          </a:p>
-        </p:txBody>
-      </p:sp>
-      <mc:AlternateContent xmlns:mc="http://schemas.openxmlformats.org/markup-compatibility/2006" xmlns:a14="http://schemas.microsoft.com/office/drawing/2010/main">
-        <mc:Choice Requires="a14">
-          <p:sp>
-            <p:nvSpPr>
-              <p:cNvPr id="3" name="Content Placeholder 2"/>
-              <p:cNvSpPr>
-                <a:spLocks noGrp="1"/>
-              </p:cNvSpPr>
-              <p:nvPr>
-                <p:ph idx="1"/>
-              </p:nvPr>
-            </p:nvSpPr>
-            <p:spPr/>
-            <p:txBody>
-              <a:bodyPr/>
-              <a:lstStyle/>
-              <a:p>
-                <a:r>
-                  <a:rPr lang="en-US" dirty="0"/>
-                  <a:t>Get a feel for algorithm time and space performance to operate on a specific data structure or structures</a:t>
-                </a:r>
-              </a:p>
-              <a:p>
-                <a:r>
-                  <a:rPr lang="en-US" dirty="0"/>
-                  <a:t>Be able to meaningfully compare multiple algorithms’ performance across a wide variety of input sizes</a:t>
-                </a:r>
-              </a:p>
-              <a:p>
-                <a:r>
-                  <a:rPr lang="en-US" dirty="0"/>
-                  <a:t>Analyze best, typical, and worst-case behavior</a:t>
-                </a:r>
-              </a:p>
-              <a:p>
-                <a:r>
-                  <a:rPr lang="en-US" dirty="0"/>
-                  <a:t>Reducing algorithm complexity is by far the most effective strategy for improving program performance;</a:t>
-                </a:r>
-                <a:br>
-                  <a:rPr lang="en-US" dirty="0"/>
-                </a:br>
-                <a:r>
-                  <a:rPr lang="en-US" dirty="0"/>
-                  <a:t>Aside: For my PhD, I discovered an approximation to a useful algorithm that dropped complexity from O(</a:t>
-                </a:r>
-                <a14:m>
-                  <m:oMath xmlns:m="http://schemas.openxmlformats.org/officeDocument/2006/math">
-                    <m:sSup>
-                      <m:sSupPr>
-                        <m:ctrlPr>
-                          <a:rPr lang="en-US" i="1">
-                            <a:latin typeface="Cambria Math" panose="02040503050406030204" pitchFamily="18" charset="0"/>
-                          </a:rPr>
-                        </m:ctrlPr>
-                      </m:sSupPr>
-                      <m:e>
-                        <m:r>
-                          <a:rPr lang="en-US" i="1">
-                            <a:latin typeface="Cambria Math" panose="02040503050406030204" pitchFamily="18" charset="0"/>
-                          </a:rPr>
-                          <m:t>𝑛</m:t>
-                        </m:r>
-                      </m:e>
-                      <m:sup>
-                        <m:r>
-                          <a:rPr lang="en-US" i="1">
-                            <a:latin typeface="Cambria Math" panose="02040503050406030204" pitchFamily="18" charset="0"/>
-                          </a:rPr>
-                          <m:t>𝑘</m:t>
-                        </m:r>
-                      </m:sup>
-                    </m:sSup>
-                  </m:oMath>
-                </a14:m>
-                <a:r>
-                  <a:rPr lang="en-US" dirty="0"/>
-                  <a:t>) to O(</a:t>
-                </a:r>
-                <a14:m>
-                  <m:oMath xmlns:m="http://schemas.openxmlformats.org/officeDocument/2006/math">
-                    <m:r>
-                      <a:rPr lang="en-US" b="0" i="1" smtClean="0">
-                        <a:latin typeface="Cambria Math" panose="02040503050406030204" pitchFamily="18" charset="0"/>
-                      </a:rPr>
-                      <m:t>𝑛𝑘</m:t>
-                    </m:r>
-                  </m:oMath>
-                </a14:m>
-                <a:r>
-                  <a:rPr lang="en-US" dirty="0"/>
-                  <a:t>)</a:t>
-                </a:r>
-              </a:p>
-            </p:txBody>
-          </p:sp>
-        </mc:Choice>
-        <mc:Fallback xmlns="">
-          <p:sp>
-            <p:nvSpPr>
-              <p:cNvPr id="3" name="Content Placeholder 2"/>
-              <p:cNvSpPr>
-                <a:spLocks noGrp="1" noRot="1" noChangeAspect="1" noMove="1" noResize="1" noEditPoints="1" noAdjustHandles="1" noChangeArrowheads="1" noChangeShapeType="1" noTextEdit="1"/>
-              </p:cNvSpPr>
-              <p:nvPr>
-                <p:ph idx="1"/>
-              </p:nvPr>
-            </p:nvSpPr>
-            <p:spPr>
-              <a:blipFill>
-                <a:blip r:embed="rId2"/>
-                <a:stretch>
-                  <a:fillRect l="-1086" t="-2326" r="-603"/>
-                </a:stretch>
-              </a:blipFill>
-            </p:spPr>
-            <p:txBody>
-              <a:bodyPr/>
-              <a:lstStyle/>
-              <a:p>
-                <a:r>
-                  <a:rPr lang="en-US">
-                    <a:noFill/>
-                  </a:rPr>
-                  <a:t> </a:t>
-                </a:r>
-              </a:p>
-            </p:txBody>
-          </p:sp>
-        </mc:Fallback>
-      </mc:AlternateContent>
-    </p:spTree>
-    <p:extLst>
-      <p:ext uri="{BB962C8B-B14F-4D97-AF65-F5344CB8AC3E}">
-        <p14:creationId xmlns:p14="http://schemas.microsoft.com/office/powerpoint/2010/main" val="154305458"/>
-      </p:ext>
-    </p:extLst>
-  </p:cSld>
-  <p:clrMapOvr>
-    <a:masterClrMapping/>
-  </p:clrMapOvr>
-</p:sld>
-</file>
-
-<file path=ppt/slides/slide20.xml><?xml version="1.0" encoding="utf-8"?>
+<file path=ppt/slides/slide24.xml><?xml version="1.0" encoding="utf-8"?>
 <p:sld xmlns:a="http://schemas.openxmlformats.org/drawingml/2006/main" xmlns:r="http://schemas.openxmlformats.org/officeDocument/2006/relationships" xmlns:p="http://schemas.openxmlformats.org/presentationml/2006/main">
   <p:cSld>
     <p:bg>
@@ -13090,7 +13536,7 @@
 </p:sld>
 </file>
 
-<file path=ppt/slides/slide21.xml><?xml version="1.0" encoding="utf-8"?>
+<file path=ppt/slides/slide25.xml><?xml version="1.0" encoding="utf-8"?>
 <p:sld xmlns:a="http://schemas.openxmlformats.org/drawingml/2006/main" xmlns:r="http://schemas.openxmlformats.org/officeDocument/2006/relationships" xmlns:p="http://schemas.openxmlformats.org/presentationml/2006/main">
   <p:cSld>
     <p:bg>
@@ -14127,7 +14573,7 @@
 </p:sld>
 </file>
 
-<file path=ppt/slides/slide22.xml><?xml version="1.0" encoding="utf-8"?>
+<file path=ppt/slides/slide26.xml><?xml version="1.0" encoding="utf-8"?>
 <p:sld xmlns:a="http://schemas.openxmlformats.org/drawingml/2006/main" xmlns:r="http://schemas.openxmlformats.org/officeDocument/2006/relationships" xmlns:p="http://schemas.openxmlformats.org/presentationml/2006/main">
   <p:cSld>
     <p:bg>
@@ -14797,7 +15243,7 @@
 </p:sld>
 </file>
 
-<file path=ppt/slides/slide23.xml><?xml version="1.0" encoding="utf-8"?>
+<file path=ppt/slides/slide27.xml><?xml version="1.0" encoding="utf-8"?>
 <p:sld xmlns:a="http://schemas.openxmlformats.org/drawingml/2006/main" xmlns:r="http://schemas.openxmlformats.org/officeDocument/2006/relationships" xmlns:p="http://schemas.openxmlformats.org/presentationml/2006/main">
   <p:cSld>
     <p:bg>
@@ -15504,7 +15950,7 @@
 </p:sld>
 </file>
 
-<file path=ppt/slides/slide24.xml><?xml version="1.0" encoding="utf-8"?>
+<file path=ppt/slides/slide28.xml><?xml version="1.0" encoding="utf-8"?>
 <p:sld xmlns:a="http://schemas.openxmlformats.org/drawingml/2006/main" xmlns:r="http://schemas.openxmlformats.org/officeDocument/2006/relationships" xmlns:p="http://schemas.openxmlformats.org/presentationml/2006/main">
   <p:cSld>
     <p:bg>
@@ -19366,7 +19812,7 @@
 </p:sld>
 </file>
 
-<file path=ppt/slides/slide25.xml><?xml version="1.0" encoding="utf-8"?>
+<file path=ppt/slides/slide29.xml><?xml version="1.0" encoding="utf-8"?>
 <p:sld xmlns:a="http://schemas.openxmlformats.org/drawingml/2006/main" xmlns:r="http://schemas.openxmlformats.org/officeDocument/2006/relationships" xmlns:p="http://schemas.openxmlformats.org/presentationml/2006/main">
   <p:cSld>
     <p:bg>
@@ -22079,7 +22525,472 @@
 </p:sld>
 </file>
 
-<file path=ppt/slides/slide26.xml><?xml version="1.0" encoding="utf-8"?>
+<file path=ppt/slides/slide3.xml><?xml version="1.0" encoding="utf-8"?>
+<p:sld xmlns:a="http://schemas.openxmlformats.org/drawingml/2006/main" xmlns:r="http://schemas.openxmlformats.org/officeDocument/2006/relationships" xmlns:p="http://schemas.openxmlformats.org/presentationml/2006/main">
+  <p:cSld>
+    <p:bg>
+      <p:bgPr>
+        <a:solidFill>
+          <a:schemeClr val="bg1"/>
+        </a:solidFill>
+        <a:effectLst/>
+      </p:bgPr>
+    </p:bg>
+    <p:spTree>
+      <p:nvGrpSpPr>
+        <p:cNvPr id="1" name=""/>
+        <p:cNvGrpSpPr/>
+        <p:nvPr/>
+      </p:nvGrpSpPr>
+      <p:grpSpPr>
+        <a:xfrm>
+          <a:off x="0" y="0"/>
+          <a:ext cx="0" cy="0"/>
+          <a:chOff x="0" y="0"/>
+          <a:chExt cx="0" cy="0"/>
+        </a:xfrm>
+      </p:grpSpPr>
+      <p:sp>
+        <p:nvSpPr>
+          <p:cNvPr id="2" name="Title 1">
+            <a:extLst>
+              <a:ext uri="{FF2B5EF4-FFF2-40B4-BE49-F238E27FC236}">
+                <a16:creationId xmlns:a16="http://schemas.microsoft.com/office/drawing/2014/main" id="{A185EBC6-4BD2-BC44-A1AC-AF91420A6115}"/>
+              </a:ext>
+            </a:extLst>
+          </p:cNvPr>
+          <p:cNvSpPr>
+            <a:spLocks noGrp="1"/>
+          </p:cNvSpPr>
+          <p:nvPr>
+            <p:ph type="title"/>
+          </p:nvPr>
+        </p:nvSpPr>
+        <p:spPr>
+          <a:xfrm>
+            <a:off x="506001" y="365125"/>
+            <a:ext cx="10847799" cy="1325563"/>
+          </a:xfrm>
+        </p:spPr>
+        <p:txBody>
+          <a:bodyPr/>
+          <a:lstStyle/>
+          <a:p>
+            <a:r>
+              <a:rPr lang="en-US" dirty="0"/>
+              <a:t>Why can’t we just time program execution?</a:t>
+            </a:r>
+          </a:p>
+        </p:txBody>
+      </p:sp>
+      <p:sp>
+        <p:nvSpPr>
+          <p:cNvPr id="3" name="Content Placeholder 2">
+            <a:extLst>
+              <a:ext uri="{FF2B5EF4-FFF2-40B4-BE49-F238E27FC236}">
+                <a16:creationId xmlns:a16="http://schemas.microsoft.com/office/drawing/2014/main" id="{6E86806C-58D4-C149-BBDA-6F730B8C6887}"/>
+              </a:ext>
+            </a:extLst>
+          </p:cNvPr>
+          <p:cNvSpPr>
+            <a:spLocks noGrp="1"/>
+          </p:cNvSpPr>
+          <p:nvPr>
+            <p:ph idx="1"/>
+          </p:nvPr>
+        </p:nvSpPr>
+        <p:spPr>
+          <a:xfrm>
+            <a:off x="506001" y="1805076"/>
+            <a:ext cx="11155167" cy="4351338"/>
+          </a:xfrm>
+        </p:spPr>
+        <p:txBody>
+          <a:bodyPr/>
+          <a:lstStyle/>
+          <a:p>
+            <a:r>
+              <a:rPr lang="en-US" dirty="0"/>
+              <a:t>Execution time is a single snapshot that includes:</a:t>
+            </a:r>
+          </a:p>
+          <a:p>
+            <a:pPr lvl="1"/>
+            <a:r>
+              <a:rPr lang="en-US" dirty="0"/>
+              <a:t>Choice of specific data structure(s) and algorithm(s)</a:t>
+            </a:r>
+          </a:p>
+          <a:p>
+            <a:pPr lvl="1"/>
+            <a:r>
+              <a:rPr lang="en-US" dirty="0"/>
+              <a:t>Machine processor speed, memory bandwidth, possibly disk speed</a:t>
+            </a:r>
+          </a:p>
+          <a:p>
+            <a:pPr lvl="1"/>
+            <a:r>
+              <a:rPr lang="en-US" dirty="0"/>
+              <a:t>Implementation language (in)efficiency (e.g., Python vs C)</a:t>
+            </a:r>
+          </a:p>
+          <a:p>
+            <a:pPr lvl="1"/>
+            <a:r>
+              <a:rPr lang="en-US" dirty="0"/>
+              <a:t>One possible input (is it the best or worst-case scenario?)</a:t>
+            </a:r>
+          </a:p>
+          <a:p>
+            <a:pPr lvl="1"/>
+            <a:r>
+              <a:rPr lang="en-US" dirty="0"/>
+              <a:t>One possible input size</a:t>
+            </a:r>
+          </a:p>
+          <a:p>
+            <a:r>
+              <a:rPr lang="en-US" dirty="0"/>
+              <a:t>And, we have to actually implement an algorithm in order to time it</a:t>
+            </a:r>
+          </a:p>
+          <a:p>
+            <a:r>
+              <a:rPr lang="en-US" dirty="0"/>
+              <a:t>(Measuring exec time is still useful)</a:t>
+            </a:r>
+          </a:p>
+        </p:txBody>
+      </p:sp>
+    </p:spTree>
+    <p:extLst>
+      <p:ext uri="{BB962C8B-B14F-4D97-AF65-F5344CB8AC3E}">
+        <p14:creationId xmlns:p14="http://schemas.microsoft.com/office/powerpoint/2010/main" val="2439290592"/>
+      </p:ext>
+    </p:extLst>
+  </p:cSld>
+  <p:clrMapOvr>
+    <a:masterClrMapping/>
+  </p:clrMapOvr>
+  <p:timing>
+    <p:tnLst>
+      <p:par>
+        <p:cTn id="1" dur="indefinite" restart="never" nodeType="tmRoot">
+          <p:childTnLst>
+            <p:seq concurrent="1" nextAc="seek">
+              <p:cTn id="2" dur="indefinite" nodeType="mainSeq">
+                <p:childTnLst>
+                  <p:par>
+                    <p:cTn id="3" fill="hold">
+                      <p:stCondLst>
+                        <p:cond delay="indefinite"/>
+                      </p:stCondLst>
+                      <p:childTnLst>
+                        <p:par>
+                          <p:cTn id="4" fill="hold">
+                            <p:stCondLst>
+                              <p:cond delay="0"/>
+                            </p:stCondLst>
+                            <p:childTnLst>
+                              <p:par>
+                                <p:cTn id="5" presetID="1" presetClass="entr" presetSubtype="0" fill="hold" nodeType="clickEffect">
+                                  <p:stCondLst>
+                                    <p:cond delay="0"/>
+                                  </p:stCondLst>
+                                  <p:childTnLst>
+                                    <p:set>
+                                      <p:cBhvr>
+                                        <p:cTn id="6" dur="1" fill="hold">
+                                          <p:stCondLst>
+                                            <p:cond delay="0"/>
+                                          </p:stCondLst>
+                                        </p:cTn>
+                                        <p:tgtEl>
+                                          <p:spTgt spid="3">
+                                            <p:txEl>
+                                              <p:pRg st="0" end="0"/>
+                                            </p:txEl>
+                                          </p:spTgt>
+                                        </p:tgtEl>
+                                        <p:attrNameLst>
+                                          <p:attrName>style.visibility</p:attrName>
+                                        </p:attrNameLst>
+                                      </p:cBhvr>
+                                      <p:to>
+                                        <p:strVal val="visible"/>
+                                      </p:to>
+                                    </p:set>
+                                  </p:childTnLst>
+                                </p:cTn>
+                              </p:par>
+                              <p:par>
+                                <p:cTn id="7" presetID="1" presetClass="entr" presetSubtype="0" fill="hold" nodeType="withEffect">
+                                  <p:stCondLst>
+                                    <p:cond delay="0"/>
+                                  </p:stCondLst>
+                                  <p:childTnLst>
+                                    <p:set>
+                                      <p:cBhvr>
+                                        <p:cTn id="8" dur="1" fill="hold">
+                                          <p:stCondLst>
+                                            <p:cond delay="0"/>
+                                          </p:stCondLst>
+                                        </p:cTn>
+                                        <p:tgtEl>
+                                          <p:spTgt spid="3">
+                                            <p:txEl>
+                                              <p:pRg st="1" end="1"/>
+                                            </p:txEl>
+                                          </p:spTgt>
+                                        </p:tgtEl>
+                                        <p:attrNameLst>
+                                          <p:attrName>style.visibility</p:attrName>
+                                        </p:attrNameLst>
+                                      </p:cBhvr>
+                                      <p:to>
+                                        <p:strVal val="visible"/>
+                                      </p:to>
+                                    </p:set>
+                                  </p:childTnLst>
+                                </p:cTn>
+                              </p:par>
+                              <p:par>
+                                <p:cTn id="9" presetID="1" presetClass="entr" presetSubtype="0" fill="hold" nodeType="withEffect">
+                                  <p:stCondLst>
+                                    <p:cond delay="0"/>
+                                  </p:stCondLst>
+                                  <p:childTnLst>
+                                    <p:set>
+                                      <p:cBhvr>
+                                        <p:cTn id="10" dur="1" fill="hold">
+                                          <p:stCondLst>
+                                            <p:cond delay="0"/>
+                                          </p:stCondLst>
+                                        </p:cTn>
+                                        <p:tgtEl>
+                                          <p:spTgt spid="3">
+                                            <p:txEl>
+                                              <p:pRg st="2" end="2"/>
+                                            </p:txEl>
+                                          </p:spTgt>
+                                        </p:tgtEl>
+                                        <p:attrNameLst>
+                                          <p:attrName>style.visibility</p:attrName>
+                                        </p:attrNameLst>
+                                      </p:cBhvr>
+                                      <p:to>
+                                        <p:strVal val="visible"/>
+                                      </p:to>
+                                    </p:set>
+                                  </p:childTnLst>
+                                </p:cTn>
+                              </p:par>
+                              <p:par>
+                                <p:cTn id="11" presetID="1" presetClass="entr" presetSubtype="0" fill="hold" nodeType="withEffect">
+                                  <p:stCondLst>
+                                    <p:cond delay="0"/>
+                                  </p:stCondLst>
+                                  <p:childTnLst>
+                                    <p:set>
+                                      <p:cBhvr>
+                                        <p:cTn id="12" dur="1" fill="hold">
+                                          <p:stCondLst>
+                                            <p:cond delay="0"/>
+                                          </p:stCondLst>
+                                        </p:cTn>
+                                        <p:tgtEl>
+                                          <p:spTgt spid="3">
+                                            <p:txEl>
+                                              <p:pRg st="3" end="3"/>
+                                            </p:txEl>
+                                          </p:spTgt>
+                                        </p:tgtEl>
+                                        <p:attrNameLst>
+                                          <p:attrName>style.visibility</p:attrName>
+                                        </p:attrNameLst>
+                                      </p:cBhvr>
+                                      <p:to>
+                                        <p:strVal val="visible"/>
+                                      </p:to>
+                                    </p:set>
+                                  </p:childTnLst>
+                                </p:cTn>
+                              </p:par>
+                              <p:par>
+                                <p:cTn id="13" presetID="1" presetClass="entr" presetSubtype="0" fill="hold" nodeType="withEffect">
+                                  <p:stCondLst>
+                                    <p:cond delay="0"/>
+                                  </p:stCondLst>
+                                  <p:childTnLst>
+                                    <p:set>
+                                      <p:cBhvr>
+                                        <p:cTn id="14" dur="1" fill="hold">
+                                          <p:stCondLst>
+                                            <p:cond delay="0"/>
+                                          </p:stCondLst>
+                                        </p:cTn>
+                                        <p:tgtEl>
+                                          <p:spTgt spid="3">
+                                            <p:txEl>
+                                              <p:pRg st="4" end="4"/>
+                                            </p:txEl>
+                                          </p:spTgt>
+                                        </p:tgtEl>
+                                        <p:attrNameLst>
+                                          <p:attrName>style.visibility</p:attrName>
+                                        </p:attrNameLst>
+                                      </p:cBhvr>
+                                      <p:to>
+                                        <p:strVal val="visible"/>
+                                      </p:to>
+                                    </p:set>
+                                  </p:childTnLst>
+                                </p:cTn>
+                              </p:par>
+                              <p:par>
+                                <p:cTn id="15" presetID="1" presetClass="entr" presetSubtype="0" fill="hold" nodeType="withEffect">
+                                  <p:stCondLst>
+                                    <p:cond delay="0"/>
+                                  </p:stCondLst>
+                                  <p:childTnLst>
+                                    <p:set>
+                                      <p:cBhvr>
+                                        <p:cTn id="16" dur="1" fill="hold">
+                                          <p:stCondLst>
+                                            <p:cond delay="0"/>
+                                          </p:stCondLst>
+                                        </p:cTn>
+                                        <p:tgtEl>
+                                          <p:spTgt spid="3">
+                                            <p:txEl>
+                                              <p:pRg st="5" end="5"/>
+                                            </p:txEl>
+                                          </p:spTgt>
+                                        </p:tgtEl>
+                                        <p:attrNameLst>
+                                          <p:attrName>style.visibility</p:attrName>
+                                        </p:attrNameLst>
+                                      </p:cBhvr>
+                                      <p:to>
+                                        <p:strVal val="visible"/>
+                                      </p:to>
+                                    </p:set>
+                                  </p:childTnLst>
+                                </p:cTn>
+                              </p:par>
+                            </p:childTnLst>
+                          </p:cTn>
+                        </p:par>
+                      </p:childTnLst>
+                    </p:cTn>
+                  </p:par>
+                  <p:par>
+                    <p:cTn id="17" fill="hold">
+                      <p:stCondLst>
+                        <p:cond delay="indefinite"/>
+                      </p:stCondLst>
+                      <p:childTnLst>
+                        <p:par>
+                          <p:cTn id="18" fill="hold">
+                            <p:stCondLst>
+                              <p:cond delay="0"/>
+                            </p:stCondLst>
+                            <p:childTnLst>
+                              <p:par>
+                                <p:cTn id="19" presetID="1" presetClass="entr" presetSubtype="0" fill="hold" nodeType="clickEffect">
+                                  <p:stCondLst>
+                                    <p:cond delay="0"/>
+                                  </p:stCondLst>
+                                  <p:childTnLst>
+                                    <p:set>
+                                      <p:cBhvr>
+                                        <p:cTn id="20" dur="1" fill="hold">
+                                          <p:stCondLst>
+                                            <p:cond delay="0"/>
+                                          </p:stCondLst>
+                                        </p:cTn>
+                                        <p:tgtEl>
+                                          <p:spTgt spid="3">
+                                            <p:txEl>
+                                              <p:pRg st="6" end="6"/>
+                                            </p:txEl>
+                                          </p:spTgt>
+                                        </p:tgtEl>
+                                        <p:attrNameLst>
+                                          <p:attrName>style.visibility</p:attrName>
+                                        </p:attrNameLst>
+                                      </p:cBhvr>
+                                      <p:to>
+                                        <p:strVal val="visible"/>
+                                      </p:to>
+                                    </p:set>
+                                  </p:childTnLst>
+                                </p:cTn>
+                              </p:par>
+                              <p:par>
+                                <p:cTn id="21" presetID="1" presetClass="entr" presetSubtype="0" fill="hold" nodeType="withEffect">
+                                  <p:stCondLst>
+                                    <p:cond delay="0"/>
+                                  </p:stCondLst>
+                                  <p:childTnLst>
+                                    <p:set>
+                                      <p:cBhvr>
+                                        <p:cTn id="22" dur="1" fill="hold">
+                                          <p:stCondLst>
+                                            <p:cond delay="0"/>
+                                          </p:stCondLst>
+                                        </p:cTn>
+                                        <p:tgtEl>
+                                          <p:spTgt spid="3">
+                                            <p:txEl>
+                                              <p:pRg st="7" end="7"/>
+                                            </p:txEl>
+                                          </p:spTgt>
+                                        </p:tgtEl>
+                                        <p:attrNameLst>
+                                          <p:attrName>style.visibility</p:attrName>
+                                        </p:attrNameLst>
+                                      </p:cBhvr>
+                                      <p:to>
+                                        <p:strVal val="visible"/>
+                                      </p:to>
+                                    </p:set>
+                                  </p:childTnLst>
+                                </p:cTn>
+                              </p:par>
+                            </p:childTnLst>
+                          </p:cTn>
+                        </p:par>
+                      </p:childTnLst>
+                    </p:cTn>
+                  </p:par>
+                </p:childTnLst>
+              </p:cTn>
+              <p:prevCondLst>
+                <p:cond evt="onPrev" delay="0">
+                  <p:tgtEl>
+                    <p:sldTgt/>
+                  </p:tgtEl>
+                </p:cond>
+              </p:prevCondLst>
+              <p:nextCondLst>
+                <p:cond evt="onNext" delay="0">
+                  <p:tgtEl>
+                    <p:sldTgt/>
+                  </p:tgtEl>
+                </p:cond>
+              </p:nextCondLst>
+            </p:seq>
+          </p:childTnLst>
+        </p:cTn>
+      </p:par>
+    </p:tnLst>
+  </p:timing>
+</p:sld>
+</file>
+
+<file path=ppt/slides/slide30.xml><?xml version="1.0" encoding="utf-8"?>
 <p:sld xmlns:a="http://schemas.openxmlformats.org/drawingml/2006/main" xmlns:r="http://schemas.openxmlformats.org/officeDocument/2006/relationships" xmlns:p="http://schemas.openxmlformats.org/presentationml/2006/main">
   <p:cSld>
     <p:bg>
@@ -22299,7 +23210,7 @@
 </p:sld>
 </file>
 
-<file path=ppt/slides/slide27.xml><?xml version="1.0" encoding="utf-8"?>
+<file path=ppt/slides/slide31.xml><?xml version="1.0" encoding="utf-8"?>
 <p:sld xmlns:a="http://schemas.openxmlformats.org/drawingml/2006/main" xmlns:r="http://schemas.openxmlformats.org/officeDocument/2006/relationships" xmlns:p="http://schemas.openxmlformats.org/presentationml/2006/main">
   <p:cSld>
     <p:bg>
@@ -22870,7 +23781,7 @@
 </p:sld>
 </file>
 
-<file path=ppt/slides/slide28.xml><?xml version="1.0" encoding="utf-8"?>
+<file path=ppt/slides/slide32.xml><?xml version="1.0" encoding="utf-8"?>
 <p:sld xmlns:a="http://schemas.openxmlformats.org/drawingml/2006/main" xmlns:r="http://schemas.openxmlformats.org/officeDocument/2006/relationships" xmlns:p="http://schemas.openxmlformats.org/presentationml/2006/main">
   <p:cSld>
     <p:bg>
@@ -23897,7 +24808,7 @@
 </p:sld>
 </file>
 
-<file path=ppt/slides/slide29.xml><?xml version="1.0" encoding="utf-8"?>
+<file path=ppt/slides/slide33.xml><?xml version="1.0" encoding="utf-8"?>
 <p:sld xmlns:a="http://schemas.openxmlformats.org/drawingml/2006/main" xmlns:r="http://schemas.openxmlformats.org/officeDocument/2006/relationships" xmlns:p="http://schemas.openxmlformats.org/presentationml/2006/main">
   <p:cSld>
     <p:spTree>
@@ -24047,471 +24958,6 @@
   <p:clrMapOvr>
     <a:masterClrMapping/>
   </p:clrMapOvr>
-</p:sld>
-</file>
-
-<file path=ppt/slides/slide3.xml><?xml version="1.0" encoding="utf-8"?>
-<p:sld xmlns:a="http://schemas.openxmlformats.org/drawingml/2006/main" xmlns:r="http://schemas.openxmlformats.org/officeDocument/2006/relationships" xmlns:p="http://schemas.openxmlformats.org/presentationml/2006/main">
-  <p:cSld>
-    <p:bg>
-      <p:bgPr>
-        <a:solidFill>
-          <a:schemeClr val="bg1"/>
-        </a:solidFill>
-        <a:effectLst/>
-      </p:bgPr>
-    </p:bg>
-    <p:spTree>
-      <p:nvGrpSpPr>
-        <p:cNvPr id="1" name=""/>
-        <p:cNvGrpSpPr/>
-        <p:nvPr/>
-      </p:nvGrpSpPr>
-      <p:grpSpPr>
-        <a:xfrm>
-          <a:off x="0" y="0"/>
-          <a:ext cx="0" cy="0"/>
-          <a:chOff x="0" y="0"/>
-          <a:chExt cx="0" cy="0"/>
-        </a:xfrm>
-      </p:grpSpPr>
-      <p:sp>
-        <p:nvSpPr>
-          <p:cNvPr id="2" name="Title 1">
-            <a:extLst>
-              <a:ext uri="{FF2B5EF4-FFF2-40B4-BE49-F238E27FC236}">
-                <a16:creationId xmlns:a16="http://schemas.microsoft.com/office/drawing/2014/main" id="{A185EBC6-4BD2-BC44-A1AC-AF91420A6115}"/>
-              </a:ext>
-            </a:extLst>
-          </p:cNvPr>
-          <p:cNvSpPr>
-            <a:spLocks noGrp="1"/>
-          </p:cNvSpPr>
-          <p:nvPr>
-            <p:ph type="title"/>
-          </p:nvPr>
-        </p:nvSpPr>
-        <p:spPr>
-          <a:xfrm>
-            <a:off x="506001" y="365125"/>
-            <a:ext cx="10847799" cy="1325563"/>
-          </a:xfrm>
-        </p:spPr>
-        <p:txBody>
-          <a:bodyPr/>
-          <a:lstStyle/>
-          <a:p>
-            <a:r>
-              <a:rPr lang="en-US" dirty="0"/>
-              <a:t>Why can’t we just time program execution?</a:t>
-            </a:r>
-          </a:p>
-        </p:txBody>
-      </p:sp>
-      <p:sp>
-        <p:nvSpPr>
-          <p:cNvPr id="3" name="Content Placeholder 2">
-            <a:extLst>
-              <a:ext uri="{FF2B5EF4-FFF2-40B4-BE49-F238E27FC236}">
-                <a16:creationId xmlns:a16="http://schemas.microsoft.com/office/drawing/2014/main" id="{6E86806C-58D4-C149-BBDA-6F730B8C6887}"/>
-              </a:ext>
-            </a:extLst>
-          </p:cNvPr>
-          <p:cNvSpPr>
-            <a:spLocks noGrp="1"/>
-          </p:cNvSpPr>
-          <p:nvPr>
-            <p:ph idx="1"/>
-          </p:nvPr>
-        </p:nvSpPr>
-        <p:spPr>
-          <a:xfrm>
-            <a:off x="506001" y="1805076"/>
-            <a:ext cx="11155167" cy="4351338"/>
-          </a:xfrm>
-        </p:spPr>
-        <p:txBody>
-          <a:bodyPr/>
-          <a:lstStyle/>
-          <a:p>
-            <a:r>
-              <a:rPr lang="en-US" dirty="0"/>
-              <a:t>Execution time is a single snapshot that includes:</a:t>
-            </a:r>
-          </a:p>
-          <a:p>
-            <a:pPr lvl="1"/>
-            <a:r>
-              <a:rPr lang="en-US" dirty="0"/>
-              <a:t>Choice of specific data structure(s) and algorithm(s)</a:t>
-            </a:r>
-          </a:p>
-          <a:p>
-            <a:pPr lvl="1"/>
-            <a:r>
-              <a:rPr lang="en-US" dirty="0"/>
-              <a:t>Machine processor speed, memory bandwidth, possibly disk speed</a:t>
-            </a:r>
-          </a:p>
-          <a:p>
-            <a:pPr lvl="1"/>
-            <a:r>
-              <a:rPr lang="en-US" dirty="0"/>
-              <a:t>Implementation language (in)efficiency (e.g., Python vs C)</a:t>
-            </a:r>
-          </a:p>
-          <a:p>
-            <a:pPr lvl="1"/>
-            <a:r>
-              <a:rPr lang="en-US" dirty="0"/>
-              <a:t>One possible input (is it the best or worst-case scenario?)</a:t>
-            </a:r>
-          </a:p>
-          <a:p>
-            <a:pPr lvl="1"/>
-            <a:r>
-              <a:rPr lang="en-US" dirty="0"/>
-              <a:t>One possible input size</a:t>
-            </a:r>
-          </a:p>
-          <a:p>
-            <a:r>
-              <a:rPr lang="en-US" dirty="0"/>
-              <a:t>And, we have to actually implement an algorithm in order to time it</a:t>
-            </a:r>
-          </a:p>
-          <a:p>
-            <a:r>
-              <a:rPr lang="en-US" dirty="0"/>
-              <a:t>(Measuring exec time is still useful)</a:t>
-            </a:r>
-          </a:p>
-        </p:txBody>
-      </p:sp>
-    </p:spTree>
-    <p:extLst>
-      <p:ext uri="{BB962C8B-B14F-4D97-AF65-F5344CB8AC3E}">
-        <p14:creationId xmlns:p14="http://schemas.microsoft.com/office/powerpoint/2010/main" val="2439290592"/>
-      </p:ext>
-    </p:extLst>
-  </p:cSld>
-  <p:clrMapOvr>
-    <a:masterClrMapping/>
-  </p:clrMapOvr>
-  <p:timing>
-    <p:tnLst>
-      <p:par>
-        <p:cTn id="1" dur="indefinite" restart="never" nodeType="tmRoot">
-          <p:childTnLst>
-            <p:seq concurrent="1" nextAc="seek">
-              <p:cTn id="2" dur="indefinite" nodeType="mainSeq">
-                <p:childTnLst>
-                  <p:par>
-                    <p:cTn id="3" fill="hold">
-                      <p:stCondLst>
-                        <p:cond delay="indefinite"/>
-                      </p:stCondLst>
-                      <p:childTnLst>
-                        <p:par>
-                          <p:cTn id="4" fill="hold">
-                            <p:stCondLst>
-                              <p:cond delay="0"/>
-                            </p:stCondLst>
-                            <p:childTnLst>
-                              <p:par>
-                                <p:cTn id="5" presetID="1" presetClass="entr" presetSubtype="0" fill="hold" nodeType="clickEffect">
-                                  <p:stCondLst>
-                                    <p:cond delay="0"/>
-                                  </p:stCondLst>
-                                  <p:childTnLst>
-                                    <p:set>
-                                      <p:cBhvr>
-                                        <p:cTn id="6" dur="1" fill="hold">
-                                          <p:stCondLst>
-                                            <p:cond delay="0"/>
-                                          </p:stCondLst>
-                                        </p:cTn>
-                                        <p:tgtEl>
-                                          <p:spTgt spid="3">
-                                            <p:txEl>
-                                              <p:pRg st="0" end="0"/>
-                                            </p:txEl>
-                                          </p:spTgt>
-                                        </p:tgtEl>
-                                        <p:attrNameLst>
-                                          <p:attrName>style.visibility</p:attrName>
-                                        </p:attrNameLst>
-                                      </p:cBhvr>
-                                      <p:to>
-                                        <p:strVal val="visible"/>
-                                      </p:to>
-                                    </p:set>
-                                  </p:childTnLst>
-                                </p:cTn>
-                              </p:par>
-                              <p:par>
-                                <p:cTn id="7" presetID="1" presetClass="entr" presetSubtype="0" fill="hold" nodeType="withEffect">
-                                  <p:stCondLst>
-                                    <p:cond delay="0"/>
-                                  </p:stCondLst>
-                                  <p:childTnLst>
-                                    <p:set>
-                                      <p:cBhvr>
-                                        <p:cTn id="8" dur="1" fill="hold">
-                                          <p:stCondLst>
-                                            <p:cond delay="0"/>
-                                          </p:stCondLst>
-                                        </p:cTn>
-                                        <p:tgtEl>
-                                          <p:spTgt spid="3">
-                                            <p:txEl>
-                                              <p:pRg st="1" end="1"/>
-                                            </p:txEl>
-                                          </p:spTgt>
-                                        </p:tgtEl>
-                                        <p:attrNameLst>
-                                          <p:attrName>style.visibility</p:attrName>
-                                        </p:attrNameLst>
-                                      </p:cBhvr>
-                                      <p:to>
-                                        <p:strVal val="visible"/>
-                                      </p:to>
-                                    </p:set>
-                                  </p:childTnLst>
-                                </p:cTn>
-                              </p:par>
-                              <p:par>
-                                <p:cTn id="9" presetID="1" presetClass="entr" presetSubtype="0" fill="hold" nodeType="withEffect">
-                                  <p:stCondLst>
-                                    <p:cond delay="0"/>
-                                  </p:stCondLst>
-                                  <p:childTnLst>
-                                    <p:set>
-                                      <p:cBhvr>
-                                        <p:cTn id="10" dur="1" fill="hold">
-                                          <p:stCondLst>
-                                            <p:cond delay="0"/>
-                                          </p:stCondLst>
-                                        </p:cTn>
-                                        <p:tgtEl>
-                                          <p:spTgt spid="3">
-                                            <p:txEl>
-                                              <p:pRg st="2" end="2"/>
-                                            </p:txEl>
-                                          </p:spTgt>
-                                        </p:tgtEl>
-                                        <p:attrNameLst>
-                                          <p:attrName>style.visibility</p:attrName>
-                                        </p:attrNameLst>
-                                      </p:cBhvr>
-                                      <p:to>
-                                        <p:strVal val="visible"/>
-                                      </p:to>
-                                    </p:set>
-                                  </p:childTnLst>
-                                </p:cTn>
-                              </p:par>
-                              <p:par>
-                                <p:cTn id="11" presetID="1" presetClass="entr" presetSubtype="0" fill="hold" nodeType="withEffect">
-                                  <p:stCondLst>
-                                    <p:cond delay="0"/>
-                                  </p:stCondLst>
-                                  <p:childTnLst>
-                                    <p:set>
-                                      <p:cBhvr>
-                                        <p:cTn id="12" dur="1" fill="hold">
-                                          <p:stCondLst>
-                                            <p:cond delay="0"/>
-                                          </p:stCondLst>
-                                        </p:cTn>
-                                        <p:tgtEl>
-                                          <p:spTgt spid="3">
-                                            <p:txEl>
-                                              <p:pRg st="3" end="3"/>
-                                            </p:txEl>
-                                          </p:spTgt>
-                                        </p:tgtEl>
-                                        <p:attrNameLst>
-                                          <p:attrName>style.visibility</p:attrName>
-                                        </p:attrNameLst>
-                                      </p:cBhvr>
-                                      <p:to>
-                                        <p:strVal val="visible"/>
-                                      </p:to>
-                                    </p:set>
-                                  </p:childTnLst>
-                                </p:cTn>
-                              </p:par>
-                              <p:par>
-                                <p:cTn id="13" presetID="1" presetClass="entr" presetSubtype="0" fill="hold" nodeType="withEffect">
-                                  <p:stCondLst>
-                                    <p:cond delay="0"/>
-                                  </p:stCondLst>
-                                  <p:childTnLst>
-                                    <p:set>
-                                      <p:cBhvr>
-                                        <p:cTn id="14" dur="1" fill="hold">
-                                          <p:stCondLst>
-                                            <p:cond delay="0"/>
-                                          </p:stCondLst>
-                                        </p:cTn>
-                                        <p:tgtEl>
-                                          <p:spTgt spid="3">
-                                            <p:txEl>
-                                              <p:pRg st="4" end="4"/>
-                                            </p:txEl>
-                                          </p:spTgt>
-                                        </p:tgtEl>
-                                        <p:attrNameLst>
-                                          <p:attrName>style.visibility</p:attrName>
-                                        </p:attrNameLst>
-                                      </p:cBhvr>
-                                      <p:to>
-                                        <p:strVal val="visible"/>
-                                      </p:to>
-                                    </p:set>
-                                  </p:childTnLst>
-                                </p:cTn>
-                              </p:par>
-                              <p:par>
-                                <p:cTn id="15" presetID="1" presetClass="entr" presetSubtype="0" fill="hold" nodeType="withEffect">
-                                  <p:stCondLst>
-                                    <p:cond delay="0"/>
-                                  </p:stCondLst>
-                                  <p:childTnLst>
-                                    <p:set>
-                                      <p:cBhvr>
-                                        <p:cTn id="16" dur="1" fill="hold">
-                                          <p:stCondLst>
-                                            <p:cond delay="0"/>
-                                          </p:stCondLst>
-                                        </p:cTn>
-                                        <p:tgtEl>
-                                          <p:spTgt spid="3">
-                                            <p:txEl>
-                                              <p:pRg st="5" end="5"/>
-                                            </p:txEl>
-                                          </p:spTgt>
-                                        </p:tgtEl>
-                                        <p:attrNameLst>
-                                          <p:attrName>style.visibility</p:attrName>
-                                        </p:attrNameLst>
-                                      </p:cBhvr>
-                                      <p:to>
-                                        <p:strVal val="visible"/>
-                                      </p:to>
-                                    </p:set>
-                                  </p:childTnLst>
-                                </p:cTn>
-                              </p:par>
-                            </p:childTnLst>
-                          </p:cTn>
-                        </p:par>
-                      </p:childTnLst>
-                    </p:cTn>
-                  </p:par>
-                  <p:par>
-                    <p:cTn id="17" fill="hold">
-                      <p:stCondLst>
-                        <p:cond delay="indefinite"/>
-                      </p:stCondLst>
-                      <p:childTnLst>
-                        <p:par>
-                          <p:cTn id="18" fill="hold">
-                            <p:stCondLst>
-                              <p:cond delay="0"/>
-                            </p:stCondLst>
-                            <p:childTnLst>
-                              <p:par>
-                                <p:cTn id="19" presetID="1" presetClass="entr" presetSubtype="0" fill="hold" nodeType="clickEffect">
-                                  <p:stCondLst>
-                                    <p:cond delay="0"/>
-                                  </p:stCondLst>
-                                  <p:childTnLst>
-                                    <p:set>
-                                      <p:cBhvr>
-                                        <p:cTn id="20" dur="1" fill="hold">
-                                          <p:stCondLst>
-                                            <p:cond delay="0"/>
-                                          </p:stCondLst>
-                                        </p:cTn>
-                                        <p:tgtEl>
-                                          <p:spTgt spid="3">
-                                            <p:txEl>
-                                              <p:pRg st="6" end="6"/>
-                                            </p:txEl>
-                                          </p:spTgt>
-                                        </p:tgtEl>
-                                        <p:attrNameLst>
-                                          <p:attrName>style.visibility</p:attrName>
-                                        </p:attrNameLst>
-                                      </p:cBhvr>
-                                      <p:to>
-                                        <p:strVal val="visible"/>
-                                      </p:to>
-                                    </p:set>
-                                  </p:childTnLst>
-                                </p:cTn>
-                              </p:par>
-                              <p:par>
-                                <p:cTn id="21" presetID="1" presetClass="entr" presetSubtype="0" fill="hold" nodeType="withEffect">
-                                  <p:stCondLst>
-                                    <p:cond delay="0"/>
-                                  </p:stCondLst>
-                                  <p:childTnLst>
-                                    <p:set>
-                                      <p:cBhvr>
-                                        <p:cTn id="22" dur="1" fill="hold">
-                                          <p:stCondLst>
-                                            <p:cond delay="0"/>
-                                          </p:stCondLst>
-                                        </p:cTn>
-                                        <p:tgtEl>
-                                          <p:spTgt spid="3">
-                                            <p:txEl>
-                                              <p:pRg st="7" end="7"/>
-                                            </p:txEl>
-                                          </p:spTgt>
-                                        </p:tgtEl>
-                                        <p:attrNameLst>
-                                          <p:attrName>style.visibility</p:attrName>
-                                        </p:attrNameLst>
-                                      </p:cBhvr>
-                                      <p:to>
-                                        <p:strVal val="visible"/>
-                                      </p:to>
-                                    </p:set>
-                                  </p:childTnLst>
-                                </p:cTn>
-                              </p:par>
-                            </p:childTnLst>
-                          </p:cTn>
-                        </p:par>
-                      </p:childTnLst>
-                    </p:cTn>
-                  </p:par>
-                </p:childTnLst>
-              </p:cTn>
-              <p:prevCondLst>
-                <p:cond evt="onPrev" delay="0">
-                  <p:tgtEl>
-                    <p:sldTgt/>
-                  </p:tgtEl>
-                </p:cond>
-              </p:prevCondLst>
-              <p:nextCondLst>
-                <p:cond evt="onNext" delay="0">
-                  <p:tgtEl>
-                    <p:sldTgt/>
-                  </p:tgtEl>
-                </p:cond>
-              </p:nextCondLst>
-            </p:seq>
-          </p:childTnLst>
-        </p:cTn>
-      </p:par>
-    </p:tnLst>
-  </p:timing>
 </p:sld>
 </file>
 
@@ -24574,7 +25020,9 @@
         </p:nvSpPr>
         <p:spPr/>
         <p:txBody>
-          <a:bodyPr/>
+          <a:bodyPr vert="horz" lIns="91440" tIns="45720" rIns="91440" bIns="45720" rtlCol="0" anchor="t">
+            <a:normAutofit/>
+          </a:bodyPr>
           <a:lstStyle/>
           <a:p>
             <a:r>
@@ -24914,153 +25362,6 @@
           </a:p>
         </p:txBody>
       </p:sp>
-      <mc:AlternateContent xmlns:mc="http://schemas.openxmlformats.org/markup-compatibility/2006" xmlns:a14="http://schemas.microsoft.com/office/drawing/2010/main">
-        <mc:Choice Requires="a14">
-          <p:sp>
-            <p:nvSpPr>
-              <p:cNvPr id="3" name="Content Placeholder 2"/>
-              <p:cNvSpPr>
-                <a:spLocks noGrp="1"/>
-              </p:cNvSpPr>
-              <p:nvPr>
-                <p:ph idx="1"/>
-              </p:nvPr>
-            </p:nvSpPr>
-            <p:spPr/>
-            <p:txBody>
-              <a:bodyPr/>
-              <a:lstStyle/>
-              <a:p>
-                <a:r>
-                  <a:rPr lang="en-US" dirty="0"/>
-                  <a:t>Let’s count memory accesses (memory is slow) and floating-point additions</a:t>
-                </a:r>
-              </a:p>
-              <a:p>
-                <a:r>
-                  <a:rPr lang="en-US" dirty="0"/>
-                  <a:t>Charge 2 operations to a single input element for each iteration </a:t>
-                </a:r>
-                <a:br>
-                  <a:rPr lang="en-US" dirty="0"/>
-                </a:br>
-                <a:r>
-                  <a:rPr lang="en-US" dirty="0"/>
-                  <a:t>(it’s like accounting, charging work to input elements)</a:t>
-                </a:r>
-              </a:p>
-              <a:p>
-                <a:r>
-                  <a:rPr lang="en-US" i="1" dirty="0"/>
-                  <a:t>T(n)</a:t>
-                </a:r>
-                <a:r>
-                  <a:rPr lang="en-US" dirty="0"/>
-                  <a:t> = </a:t>
-                </a:r>
-                <a14:m>
-                  <m:oMath xmlns:m="http://schemas.openxmlformats.org/officeDocument/2006/math">
-                    <m:nary>
-                      <m:naryPr>
-                        <m:chr m:val="∑"/>
-                        <m:ctrlPr>
-                          <a:rPr lang="mr-IN" i="1" smtClean="0">
-                            <a:latin typeface="Cambria Math" panose="02040503050406030204" pitchFamily="18" charset="0"/>
-                          </a:rPr>
-                        </m:ctrlPr>
-                      </m:naryPr>
-                      <m:sub>
-                        <m:r>
-                          <m:rPr>
-                            <m:brk m:alnAt="23"/>
-                          </m:rPr>
-                          <a:rPr lang="en-US" b="0" i="1" smtClean="0">
-                            <a:latin typeface="Cambria Math" charset="0"/>
-                          </a:rPr>
-                          <m:t>𝑖</m:t>
-                        </m:r>
-                        <m:r>
-                          <a:rPr lang="mr-IN" i="1" smtClean="0">
-                            <a:latin typeface="Cambria Math" charset="0"/>
-                          </a:rPr>
-                          <m:t>=</m:t>
-                        </m:r>
-                        <m:r>
-                          <a:rPr lang="en-US" b="0" i="1" smtClean="0">
-                            <a:latin typeface="Cambria Math" charset="0"/>
-                          </a:rPr>
-                          <m:t>1</m:t>
-                        </m:r>
-                      </m:sub>
-                      <m:sup>
-                        <m:r>
-                          <a:rPr lang="mr-IN" i="1" smtClean="0">
-                            <a:latin typeface="Cambria Math" charset="0"/>
-                          </a:rPr>
-                          <m:t>𝑛</m:t>
-                        </m:r>
-                      </m:sup>
-                      <m:e>
-                        <m:r>
-                          <a:rPr lang="en-US" b="0" i="1" smtClean="0">
-                            <a:latin typeface="Cambria Math" panose="02040503050406030204" pitchFamily="18" charset="0"/>
-                          </a:rPr>
-                          <m:t>2</m:t>
-                        </m:r>
-                      </m:e>
-                    </m:nary>
-                  </m:oMath>
-                </a14:m>
-                <a:r>
-                  <a:rPr lang="en-US" dirty="0"/>
-                  <a:t> = 2</a:t>
-                </a:r>
-                <a:r>
-                  <a:rPr lang="en-US" i="1" dirty="0"/>
-                  <a:t>n</a:t>
-                </a:r>
-                <a:r>
-                  <a:rPr lang="en-US" dirty="0"/>
-                  <a:t> which gives us great performance info!</a:t>
-                </a:r>
-              </a:p>
-            </p:txBody>
-          </p:sp>
-        </mc:Choice>
-        <mc:Fallback xmlns="">
-          <p:sp>
-            <p:nvSpPr>
-              <p:cNvPr id="3" name="Content Placeholder 2"/>
-              <p:cNvSpPr>
-                <a:spLocks noGrp="1" noRot="1" noChangeAspect="1" noMove="1" noResize="1" noEditPoints="1" noAdjustHandles="1" noChangeArrowheads="1" noChangeShapeType="1" noTextEdit="1"/>
-              </p:cNvSpPr>
-              <p:nvPr>
-                <p:ph idx="1"/>
-              </p:nvPr>
-            </p:nvSpPr>
-            <p:spPr>
-              <a:blipFill>
-                <a:blip r:embed="rId2"/>
-                <a:stretch>
-                  <a:fillRect l="-1086" t="-2326" r="-603"/>
-                </a:stretch>
-              </a:blipFill>
-            </p:spPr>
-            <p:txBody>
-              <a:bodyPr/>
-              <a:lstStyle/>
-              <a:p>
-                <a:r>
-                  <a:rPr lang="en-US">
-                    <a:noFill/>
-                  </a:rPr>
-                  <a:t> </a:t>
-                </a:r>
-              </a:p>
-            </p:txBody>
-          </p:sp>
-        </mc:Fallback>
-      </mc:AlternateContent>
       <p:sp>
         <p:nvSpPr>
           <p:cNvPr id="4" name="TextBox 3"/>
@@ -25177,88 +25478,165 @@
           </a:p>
         </p:txBody>
       </p:sp>
-      <p:cxnSp>
-        <p:nvCxnSpPr>
-          <p:cNvPr id="9" name="Straight Arrow Connector 8">
+      <p:sp>
+        <p:nvSpPr>
+          <p:cNvPr id="5" name="TextBox 4">
             <a:extLst>
               <a:ext uri="{FF2B5EF4-FFF2-40B4-BE49-F238E27FC236}">
-                <a16:creationId xmlns:a16="http://schemas.microsoft.com/office/drawing/2014/main" id="{1A67D8E4-640D-034B-8DB9-591B8CADE569}"/>
+                <a16:creationId xmlns:a16="http://schemas.microsoft.com/office/drawing/2014/main" id="{8A2511EE-5836-005F-FFA6-46DFFECC8DA9}"/>
               </a:ext>
             </a:extLst>
           </p:cNvPr>
-          <p:cNvCxnSpPr>
-            <a:cxnSpLocks/>
-          </p:cNvCxnSpPr>
+          <p:cNvSpPr txBox="1"/>
           <p:nvPr/>
-        </p:nvCxnSpPr>
+        </p:nvSpPr>
         <p:spPr>
-          <a:xfrm flipV="1">
-            <a:off x="5762090" y="5779991"/>
-            <a:ext cx="0" cy="474806"/>
+          <a:xfrm>
+            <a:off x="2003034" y="1811904"/>
+            <a:ext cx="8234035" cy="1569660"/>
           </a:xfrm>
-          <a:prstGeom prst="straightConnector1">
+          <a:prstGeom prst="rect">
             <a:avLst/>
           </a:prstGeom>
-          <a:ln w="12700">
-            <a:tailEnd type="triangle"/>
+          <a:noFill/>
+          <a:ln>
+            <a:solidFill>
+              <a:schemeClr val="accent1"/>
+            </a:solidFill>
           </a:ln>
         </p:spPr>
-        <p:style>
-          <a:lnRef idx="1">
-            <a:schemeClr val="accent1"/>
-          </a:lnRef>
-          <a:fillRef idx="0">
-            <a:schemeClr val="accent1"/>
-          </a:fillRef>
-          <a:effectRef idx="0">
-            <a:schemeClr val="accent1"/>
-          </a:effectRef>
-          <a:fontRef idx="minor">
-            <a:schemeClr val="tx1"/>
-          </a:fontRef>
-        </p:style>
-      </p:cxnSp>
-      <p:cxnSp>
-        <p:nvCxnSpPr>
-          <p:cNvPr id="10" name="Straight Arrow Connector 9">
+        <p:txBody>
+          <a:bodyPr wrap="square" lIns="91440" tIns="45720" rIns="91440" bIns="45720" rtlCol="0" anchor="t">
+            <a:spAutoFit/>
+          </a:bodyPr>
+          <a:lstStyle/>
+          <a:p>
+            <a:r>
+              <a:rPr lang="en-US" sz="2400" dirty="0">
+                <a:latin typeface="Monaco"/>
+                <a:ea typeface="Monaco" charset="0"/>
+                <a:cs typeface="Monaco" charset="0"/>
+              </a:rPr>
+              <a:t>Let's count memory </a:t>
+            </a:r>
+            <a:r>
+              <a:rPr lang="en-US" sz="2400" dirty="0" err="1">
+                <a:latin typeface="Monaco"/>
+                <a:ea typeface="Monaco" charset="0"/>
+                <a:cs typeface="Monaco" charset="0"/>
+              </a:rPr>
+              <a:t>acccess</a:t>
+            </a:r>
+            <a:r>
+              <a:rPr lang="en-US" sz="2400" dirty="0">
+                <a:latin typeface="Monaco"/>
+                <a:ea typeface="Monaco" charset="0"/>
+                <a:cs typeface="Monaco" charset="0"/>
+              </a:rPr>
+              <a:t> and floating point addition.</a:t>
+            </a:r>
+            <a:endParaRPr lang="en-US" dirty="0">
+              <a:latin typeface="Monaco"/>
+              <a:ea typeface="Monaco" charset="0"/>
+              <a:cs typeface="Monaco" charset="0"/>
+            </a:endParaRPr>
+          </a:p>
+          <a:p>
+            <a:endParaRPr lang="en-US" sz="2400" dirty="0">
+              <a:latin typeface="Monaco"/>
+            </a:endParaRPr>
+          </a:p>
+          <a:p>
+            <a:r>
+              <a:rPr lang="en-US" sz="2400" dirty="0">
+                <a:latin typeface="Monaco"/>
+              </a:rPr>
+              <a:t>We will consider the operation addition/</a:t>
+            </a:r>
+            <a:r>
+              <a:rPr lang="en-US" sz="2400" dirty="0">
+                <a:ea typeface="+mn-lt"/>
+                <a:cs typeface="+mn-lt"/>
+              </a:rPr>
+              <a:t>assignment</a:t>
+            </a:r>
+            <a:r>
+              <a:rPr lang="en-US" sz="2400" dirty="0">
+                <a:latin typeface="Monaco"/>
+              </a:rPr>
+              <a:t>: </a:t>
+            </a:r>
+            <a:r>
+              <a:rPr lang="en-US" sz="2400" dirty="0">
+                <a:ea typeface="+mn-lt"/>
+                <a:cs typeface="+mn-lt"/>
+              </a:rPr>
+              <a:t>s = s + a[</a:t>
+            </a:r>
+            <a:r>
+              <a:rPr lang="en-US" sz="2400" dirty="0" err="1">
+                <a:ea typeface="+mn-lt"/>
+                <a:cs typeface="+mn-lt"/>
+              </a:rPr>
+              <a:t>i</a:t>
+            </a:r>
+            <a:r>
+              <a:rPr lang="en-US" sz="2400" dirty="0">
+                <a:ea typeface="+mn-lt"/>
+                <a:cs typeface="+mn-lt"/>
+              </a:rPr>
+              <a:t>]</a:t>
+            </a:r>
+            <a:r>
+              <a:rPr lang="en-US" sz="2400" dirty="0">
+                <a:latin typeface="Monaco"/>
+              </a:rPr>
+              <a:t> to have a constant time c</a:t>
+            </a:r>
+          </a:p>
+        </p:txBody>
+      </p:sp>
+      <p:sp>
+        <p:nvSpPr>
+          <p:cNvPr id="8" name="TextBox 7">
             <a:extLst>
               <a:ext uri="{FF2B5EF4-FFF2-40B4-BE49-F238E27FC236}">
-                <a16:creationId xmlns:a16="http://schemas.microsoft.com/office/drawing/2014/main" id="{D2B66EEE-5D36-A345-A2EF-6D83F45A2E43}"/>
+                <a16:creationId xmlns:a16="http://schemas.microsoft.com/office/drawing/2014/main" id="{E6685FCA-C0A8-55F3-465A-9C92999FED3C}"/>
               </a:ext>
             </a:extLst>
           </p:cNvPr>
-          <p:cNvCxnSpPr>
-            <a:cxnSpLocks/>
-          </p:cNvCxnSpPr>
+          <p:cNvSpPr txBox="1"/>
           <p:nvPr/>
-        </p:nvCxnSpPr>
+        </p:nvSpPr>
         <p:spPr>
-          <a:xfrm flipV="1">
-            <a:off x="6347717" y="5779991"/>
-            <a:ext cx="0" cy="474806"/>
+          <a:xfrm>
+            <a:off x="7597515" y="4387121"/>
+            <a:ext cx="3829986" cy="369332"/>
           </a:xfrm>
-          <a:prstGeom prst="straightConnector1">
+          <a:prstGeom prst="rect">
             <a:avLst/>
           </a:prstGeom>
-          <a:ln w="12700">
-            <a:tailEnd type="triangle"/>
-          </a:ln>
+          <a:noFill/>
         </p:spPr>
-        <p:style>
-          <a:lnRef idx="1">
-            <a:schemeClr val="accent1"/>
-          </a:lnRef>
-          <a:fillRef idx="0">
-            <a:schemeClr val="accent1"/>
-          </a:fillRef>
-          <a:effectRef idx="0">
-            <a:schemeClr val="accent1"/>
-          </a:effectRef>
-          <a:fontRef idx="minor">
-            <a:schemeClr val="tx1"/>
-          </a:fontRef>
-        </p:style>
-      </p:cxnSp>
+        <p:txBody>
+          <a:bodyPr rot="0" spcFirstLastPara="0" vertOverflow="overflow" horzOverflow="overflow" vert="horz" wrap="square" lIns="91440" tIns="45720" rIns="91440" bIns="45720" numCol="1" spcCol="0" rtlCol="0" fromWordArt="0" anchor="t" anchorCtr="0" forceAA="0" compatLnSpc="1">
+            <a:prstTxWarp prst="textNoShape">
+              <a:avLst/>
+            </a:prstTxWarp>
+            <a:spAutoFit/>
+          </a:bodyPr>
+          <a:lstStyle/>
+          <a:p>
+            <a:r>
+              <a:rPr lang="en-US" dirty="0">
+                <a:latin typeface="Monaco"/>
+              </a:rPr>
+              <a:t>Total running time T(n)= n*c+2 c</a:t>
+            </a:r>
+            <a:endParaRPr lang="en-US" dirty="0"/>
+          </a:p>
+        </p:txBody>
+      </p:sp>
     </p:spTree>
     <p:extLst>
       <p:ext uri="{BB962C8B-B14F-4D97-AF65-F5344CB8AC3E}">
